--- a/Fihirana Fanampiny/FF 31.pptx
+++ b/Fihirana Fanampiny/FF 31.pptx
@@ -110,6 +110,11 @@
       </a:defRPr>
     </a:lvl9pPr>
   </p:defaultTextStyle>
+  <p:extLst>
+    <p:ext uri="{EFAFB233-063F-42B5-8137-9DF3F51BA10A}">
+      <p15:sldGuideLst xmlns:p15="http://schemas.microsoft.com/office/powerpoint/2012/main"/>
+    </p:ext>
+  </p:extLst>
 </p:presentation>
 </file>
 
@@ -244,7 +249,7 @@
           <a:p>
             <a:fld id="{D793B40F-09FD-42A9-88D0-E28515CF0AF7}" type="datetimeFigureOut">
               <a:rPr lang="fr-FR" smtClean="0"/>
-              <a:t>28/08/2014</a:t>
+              <a:t>11/05/2025</a:t>
             </a:fld>
             <a:endParaRPr lang="fr-FR"/>
           </a:p>
@@ -414,7 +419,7 @@
           <a:p>
             <a:fld id="{D793B40F-09FD-42A9-88D0-E28515CF0AF7}" type="datetimeFigureOut">
               <a:rPr lang="fr-FR" smtClean="0"/>
-              <a:t>28/08/2014</a:t>
+              <a:t>11/05/2025</a:t>
             </a:fld>
             <a:endParaRPr lang="fr-FR"/>
           </a:p>
@@ -594,7 +599,7 @@
           <a:p>
             <a:fld id="{D793B40F-09FD-42A9-88D0-E28515CF0AF7}" type="datetimeFigureOut">
               <a:rPr lang="fr-FR" smtClean="0"/>
-              <a:t>28/08/2014</a:t>
+              <a:t>11/05/2025</a:t>
             </a:fld>
             <a:endParaRPr lang="fr-FR"/>
           </a:p>
@@ -764,7 +769,7 @@
           <a:p>
             <a:fld id="{D793B40F-09FD-42A9-88D0-E28515CF0AF7}" type="datetimeFigureOut">
               <a:rPr lang="fr-FR" smtClean="0"/>
-              <a:t>28/08/2014</a:t>
+              <a:t>11/05/2025</a:t>
             </a:fld>
             <a:endParaRPr lang="fr-FR"/>
           </a:p>
@@ -1010,7 +1015,7 @@
           <a:p>
             <a:fld id="{D793B40F-09FD-42A9-88D0-E28515CF0AF7}" type="datetimeFigureOut">
               <a:rPr lang="fr-FR" smtClean="0"/>
-              <a:t>28/08/2014</a:t>
+              <a:t>11/05/2025</a:t>
             </a:fld>
             <a:endParaRPr lang="fr-FR"/>
           </a:p>
@@ -1242,7 +1247,7 @@
           <a:p>
             <a:fld id="{D793B40F-09FD-42A9-88D0-E28515CF0AF7}" type="datetimeFigureOut">
               <a:rPr lang="fr-FR" smtClean="0"/>
-              <a:t>28/08/2014</a:t>
+              <a:t>11/05/2025</a:t>
             </a:fld>
             <a:endParaRPr lang="fr-FR"/>
           </a:p>
@@ -1609,7 +1614,7 @@
           <a:p>
             <a:fld id="{D793B40F-09FD-42A9-88D0-E28515CF0AF7}" type="datetimeFigureOut">
               <a:rPr lang="fr-FR" smtClean="0"/>
-              <a:t>28/08/2014</a:t>
+              <a:t>11/05/2025</a:t>
             </a:fld>
             <a:endParaRPr lang="fr-FR"/>
           </a:p>
@@ -1727,7 +1732,7 @@
           <a:p>
             <a:fld id="{D793B40F-09FD-42A9-88D0-E28515CF0AF7}" type="datetimeFigureOut">
               <a:rPr lang="fr-FR" smtClean="0"/>
-              <a:t>28/08/2014</a:t>
+              <a:t>11/05/2025</a:t>
             </a:fld>
             <a:endParaRPr lang="fr-FR"/>
           </a:p>
@@ -1822,7 +1827,7 @@
           <a:p>
             <a:fld id="{D793B40F-09FD-42A9-88D0-E28515CF0AF7}" type="datetimeFigureOut">
               <a:rPr lang="fr-FR" smtClean="0"/>
-              <a:t>28/08/2014</a:t>
+              <a:t>11/05/2025</a:t>
             </a:fld>
             <a:endParaRPr lang="fr-FR"/>
           </a:p>
@@ -2099,7 +2104,7 @@
           <a:p>
             <a:fld id="{D793B40F-09FD-42A9-88D0-E28515CF0AF7}" type="datetimeFigureOut">
               <a:rPr lang="fr-FR" smtClean="0"/>
-              <a:t>28/08/2014</a:t>
+              <a:t>11/05/2025</a:t>
             </a:fld>
             <a:endParaRPr lang="fr-FR"/>
           </a:p>
@@ -2352,7 +2357,7 @@
           <a:p>
             <a:fld id="{D793B40F-09FD-42A9-88D0-E28515CF0AF7}" type="datetimeFigureOut">
               <a:rPr lang="fr-FR" smtClean="0"/>
-              <a:t>28/08/2014</a:t>
+              <a:t>11/05/2025</a:t>
             </a:fld>
             <a:endParaRPr lang="fr-FR"/>
           </a:p>
@@ -2565,7 +2570,7 @@
           <a:p>
             <a:fld id="{D793B40F-09FD-42A9-88D0-E28515CF0AF7}" type="datetimeFigureOut">
               <a:rPr lang="fr-FR" smtClean="0"/>
-              <a:t>28/08/2014</a:t>
+              <a:t>11/05/2025</a:t>
             </a:fld>
             <a:endParaRPr lang="fr-FR"/>
           </a:p>
@@ -3098,8 +3103,8 @@
         </p:nvSpPr>
         <p:spPr>
           <a:xfrm>
-            <a:off x="0" y="1021080"/>
-            <a:ext cx="12192000" cy="5016758"/>
+            <a:off x="0" y="24797"/>
+            <a:ext cx="12192000" cy="6740307"/>
           </a:xfrm>
           <a:prstGeom prst="rect">
             <a:avLst/>
@@ -3114,46 +3119,46 @@
           <a:p>
             <a:pPr algn="ctr"/>
             <a:r>
-              <a:rPr lang="en-GB" sz="8000" b="1" dirty="0" smtClean="0"/>
+              <a:rPr lang="en-GB" sz="7200" b="1" dirty="0" smtClean="0"/>
               <a:t>1</a:t>
             </a:r>
             <a:r>
-              <a:rPr lang="en-GB" sz="8000" b="1" dirty="0" smtClean="0">
+              <a:rPr lang="en-GB" sz="7200" b="1" dirty="0" smtClean="0">
                 <a:latin typeface="Admiral" pitchFamily="2" charset="0"/>
               </a:rPr>
               <a:t>. </a:t>
             </a:r>
             <a:r>
-              <a:rPr lang="en-GB" sz="8000" b="1" dirty="0" err="1">
+              <a:rPr lang="en-GB" sz="7200" b="1" dirty="0" err="1">
                 <a:latin typeface="Admiral" pitchFamily="2" charset="0"/>
               </a:rPr>
               <a:t>Mihirà</a:t>
             </a:r>
             <a:r>
-              <a:rPr lang="en-GB" sz="8000" b="1" dirty="0">
-                <a:latin typeface="Admiral" pitchFamily="2" charset="0"/>
-              </a:rPr>
-              <a:t> </a:t>
-            </a:r>
-            <a:r>
-              <a:rPr lang="en-GB" sz="8000" b="1" dirty="0" err="1">
+              <a:rPr lang="en-GB" sz="7200" b="1" dirty="0">
+                <a:latin typeface="Admiral" pitchFamily="2" charset="0"/>
+              </a:rPr>
+              <a:t> </a:t>
+            </a:r>
+            <a:r>
+              <a:rPr lang="en-GB" sz="7200" b="1" dirty="0" err="1">
                 <a:latin typeface="Admiral" pitchFamily="2" charset="0"/>
               </a:rPr>
               <a:t>ry</a:t>
             </a:r>
             <a:r>
-              <a:rPr lang="en-GB" sz="8000" b="1" dirty="0">
-                <a:latin typeface="Admiral" pitchFamily="2" charset="0"/>
-              </a:rPr>
-              <a:t> </a:t>
-            </a:r>
-            <a:r>
-              <a:rPr lang="en-GB" sz="8000" b="1" dirty="0" err="1">
+              <a:rPr lang="en-GB" sz="7200" b="1" dirty="0">
+                <a:latin typeface="Admiral" pitchFamily="2" charset="0"/>
+              </a:rPr>
+              <a:t> </a:t>
+            </a:r>
+            <a:r>
+              <a:rPr lang="en-GB" sz="7200" b="1" dirty="0" err="1">
                 <a:latin typeface="Admiral" pitchFamily="2" charset="0"/>
               </a:rPr>
               <a:t>manam-pofonaina</a:t>
             </a:r>
-            <a:endParaRPr lang="fr-FR" sz="8000" b="1" dirty="0" smtClean="0">
+            <a:endParaRPr lang="fr-FR" sz="7200" b="1" dirty="0" smtClean="0">
               <a:effectLst/>
               <a:latin typeface="Admiral" pitchFamily="2" charset="0"/>
             </a:endParaRPr>
@@ -3161,42 +3166,42 @@
           <a:p>
             <a:pPr algn="ctr"/>
             <a:r>
-              <a:rPr lang="en-GB" sz="8000" b="1" dirty="0">
+              <a:rPr lang="en-GB" sz="7200" b="1" dirty="0">
                 <a:latin typeface="Admiral" pitchFamily="2" charset="0"/>
               </a:rPr>
               <a:t>   </a:t>
             </a:r>
             <a:r>
-              <a:rPr lang="en-GB" sz="8000" b="1" dirty="0" err="1">
+              <a:rPr lang="en-GB" sz="7200" b="1" dirty="0" err="1">
                 <a:latin typeface="Admiral" pitchFamily="2" charset="0"/>
               </a:rPr>
               <a:t>Mikaloa</a:t>
             </a:r>
             <a:r>
-              <a:rPr lang="en-GB" sz="8000" b="1" dirty="0">
-                <a:latin typeface="Admiral" pitchFamily="2" charset="0"/>
-              </a:rPr>
-              <a:t> </a:t>
-            </a:r>
-            <a:r>
-              <a:rPr lang="en-GB" sz="8000" b="1" dirty="0" err="1">
+              <a:rPr lang="en-GB" sz="7200" b="1" dirty="0">
+                <a:latin typeface="Admiral" pitchFamily="2" charset="0"/>
+              </a:rPr>
+              <a:t> </a:t>
+            </a:r>
+            <a:r>
+              <a:rPr lang="en-GB" sz="7200" b="1" dirty="0" err="1">
                 <a:latin typeface="Admiral" pitchFamily="2" charset="0"/>
               </a:rPr>
               <a:t>sy</a:t>
             </a:r>
             <a:r>
-              <a:rPr lang="en-GB" sz="8000" b="1" dirty="0">
-                <a:latin typeface="Admiral" pitchFamily="2" charset="0"/>
-              </a:rPr>
-              <a:t> </a:t>
-            </a:r>
-            <a:r>
-              <a:rPr lang="en-GB" sz="8000" b="1" dirty="0" err="1">
+              <a:rPr lang="en-GB" sz="7200" b="1" dirty="0">
+                <a:latin typeface="Admiral" pitchFamily="2" charset="0"/>
+              </a:rPr>
+              <a:t> </a:t>
+            </a:r>
+            <a:r>
+              <a:rPr lang="en-GB" sz="7200" b="1" dirty="0" err="1">
                 <a:latin typeface="Admiral" pitchFamily="2" charset="0"/>
               </a:rPr>
               <a:t>mitsikia</a:t>
             </a:r>
-            <a:endParaRPr lang="fr-FR" sz="8000" b="1" dirty="0" smtClean="0">
+            <a:endParaRPr lang="fr-FR" sz="7200" b="1" dirty="0" smtClean="0">
               <a:effectLst/>
               <a:latin typeface="Admiral" pitchFamily="2" charset="0"/>
             </a:endParaRPr>
@@ -3204,54 +3209,54 @@
           <a:p>
             <a:pPr algn="ctr"/>
             <a:r>
-              <a:rPr lang="en-GB" sz="8000" b="1" dirty="0">
+              <a:rPr lang="en-GB" sz="7200" b="1" dirty="0">
                 <a:latin typeface="Admiral" pitchFamily="2" charset="0"/>
               </a:rPr>
               <a:t>   </a:t>
             </a:r>
             <a:r>
-              <a:rPr lang="en-GB" sz="8000" b="1" dirty="0" err="1">
+              <a:rPr lang="en-GB" sz="7200" b="1" dirty="0" err="1">
                 <a:latin typeface="Admiral" pitchFamily="2" charset="0"/>
               </a:rPr>
               <a:t>Tapaka</a:t>
             </a:r>
             <a:r>
-              <a:rPr lang="en-GB" sz="8000" b="1" dirty="0">
-                <a:latin typeface="Admiral" pitchFamily="2" charset="0"/>
-              </a:rPr>
-              <a:t> </a:t>
-            </a:r>
-            <a:r>
-              <a:rPr lang="en-GB" sz="8000" b="1" dirty="0" err="1">
+              <a:rPr lang="en-GB" sz="7200" b="1" dirty="0">
+                <a:latin typeface="Admiral" pitchFamily="2" charset="0"/>
+              </a:rPr>
+              <a:t> </a:t>
+            </a:r>
+            <a:r>
+              <a:rPr lang="en-GB" sz="7200" b="1" dirty="0" err="1">
                 <a:latin typeface="Admiral" pitchFamily="2" charset="0"/>
               </a:rPr>
               <a:t>ny</a:t>
             </a:r>
             <a:r>
-              <a:rPr lang="en-GB" sz="8000" b="1" dirty="0">
-                <a:latin typeface="Admiral" pitchFamily="2" charset="0"/>
-              </a:rPr>
-              <a:t> </a:t>
-            </a:r>
-            <a:r>
-              <a:rPr lang="en-GB" sz="8000" b="1" dirty="0" err="1">
+              <a:rPr lang="en-GB" sz="7200" b="1" dirty="0">
+                <a:latin typeface="Admiral" pitchFamily="2" charset="0"/>
+              </a:rPr>
+              <a:t> </a:t>
+            </a:r>
+            <a:r>
+              <a:rPr lang="en-GB" sz="7200" b="1" dirty="0" err="1">
                 <a:latin typeface="Admiral" pitchFamily="2" charset="0"/>
               </a:rPr>
               <a:t>gadra</a:t>
             </a:r>
             <a:r>
-              <a:rPr lang="en-GB" sz="8000" b="1" dirty="0">
-                <a:latin typeface="Admiral" pitchFamily="2" charset="0"/>
-              </a:rPr>
-              <a:t> </a:t>
-            </a:r>
-            <a:r>
-              <a:rPr lang="en-GB" sz="8000" b="1" dirty="0" err="1">
+              <a:rPr lang="en-GB" sz="7200" b="1" dirty="0">
+                <a:latin typeface="Admiral" pitchFamily="2" charset="0"/>
+              </a:rPr>
+              <a:t> </a:t>
+            </a:r>
+            <a:r>
+              <a:rPr lang="en-GB" sz="7200" b="1" dirty="0" err="1">
                 <a:latin typeface="Admiral" pitchFamily="2" charset="0"/>
               </a:rPr>
               <a:t>novonjena</a:t>
             </a:r>
-            <a:endParaRPr lang="fr-FR" sz="8000" b="1" dirty="0" smtClean="0">
+            <a:endParaRPr lang="fr-FR" sz="7200" b="1" dirty="0" smtClean="0">
               <a:effectLst/>
               <a:latin typeface="Admiral" pitchFamily="2" charset="0"/>
             </a:endParaRPr>
@@ -3259,42 +3264,42 @@
           <a:p>
             <a:pPr algn="ctr"/>
             <a:r>
-              <a:rPr lang="en-GB" sz="8000" b="1" dirty="0">
+              <a:rPr lang="en-GB" sz="7200" b="1" dirty="0">
                 <a:latin typeface="Admiral" pitchFamily="2" charset="0"/>
               </a:rPr>
               <a:t>   </a:t>
             </a:r>
             <a:r>
-              <a:rPr lang="en-GB" sz="8000" b="1" dirty="0" err="1">
+              <a:rPr lang="en-GB" sz="7200" b="1" dirty="0" err="1">
                 <a:latin typeface="Admiral" pitchFamily="2" charset="0"/>
               </a:rPr>
               <a:t>Afak’i</a:t>
             </a:r>
             <a:r>
-              <a:rPr lang="en-GB" sz="8000" b="1" dirty="0">
-                <a:latin typeface="Admiral" pitchFamily="2" charset="0"/>
-              </a:rPr>
-              <a:t> </a:t>
-            </a:r>
-            <a:r>
-              <a:rPr lang="en-GB" sz="8000" b="1" dirty="0" err="1">
+              <a:rPr lang="en-GB" sz="7200" b="1" dirty="0">
+                <a:latin typeface="Admiral" pitchFamily="2" charset="0"/>
+              </a:rPr>
+              <a:t> </a:t>
+            </a:r>
+            <a:r>
+              <a:rPr lang="en-GB" sz="7200" b="1" dirty="0" err="1">
                 <a:latin typeface="Admiral" pitchFamily="2" charset="0"/>
               </a:rPr>
               <a:t>Jesosy</a:t>
             </a:r>
             <a:r>
-              <a:rPr lang="en-GB" sz="8000" b="1" dirty="0">
+              <a:rPr lang="en-GB" sz="7200" b="1" dirty="0">
                 <a:latin typeface="Admiral" pitchFamily="2" charset="0"/>
               </a:rPr>
               <a:t> be </a:t>
             </a:r>
             <a:r>
-              <a:rPr lang="en-GB" sz="8000" b="1" dirty="0" err="1" smtClean="0">
+              <a:rPr lang="en-GB" sz="7200" b="1" dirty="0" err="1" smtClean="0">
                 <a:latin typeface="Admiral" pitchFamily="2" charset="0"/>
               </a:rPr>
               <a:t>fitia</a:t>
             </a:r>
-            <a:endParaRPr lang="fr-FR" sz="8000" b="1" dirty="0">
+            <a:endParaRPr lang="fr-FR" sz="7200" b="1" dirty="0">
               <a:latin typeface="Admiral" pitchFamily="2" charset="0"/>
             </a:endParaRPr>
           </a:p>
@@ -3338,8 +3343,8 @@
         </p:nvSpPr>
         <p:spPr>
           <a:xfrm>
-            <a:off x="0" y="1005840"/>
-            <a:ext cx="12192000" cy="5016758"/>
+            <a:off x="0" y="50493"/>
+            <a:ext cx="12192000" cy="6740307"/>
           </a:xfrm>
           <a:prstGeom prst="rect">
             <a:avLst/>
@@ -3354,54 +3359,54 @@
           <a:p>
             <a:pPr algn="ctr"/>
             <a:r>
-              <a:rPr lang="en-GB" sz="7200" dirty="0" smtClean="0">
+              <a:rPr lang="en-GB" sz="6600" dirty="0" smtClean="0">
                 <a:latin typeface="Admiral" pitchFamily="2" charset="0"/>
               </a:rPr>
               <a:t>   </a:t>
             </a:r>
             <a:r>
-              <a:rPr lang="en-GB" sz="8000" dirty="0">
+              <a:rPr lang="en-GB" sz="7200" dirty="0">
                 <a:latin typeface="Admiral" pitchFamily="2" charset="0"/>
               </a:rPr>
               <a:t>‘Lay </a:t>
             </a:r>
             <a:r>
-              <a:rPr lang="en-GB" sz="8000" dirty="0" err="1">
+              <a:rPr lang="en-GB" sz="7200" dirty="0" err="1">
                 <a:latin typeface="Admiral" pitchFamily="2" charset="0"/>
               </a:rPr>
               <a:t>Edena</a:t>
             </a:r>
             <a:r>
-              <a:rPr lang="en-GB" sz="8000" dirty="0">
-                <a:latin typeface="Admiral" pitchFamily="2" charset="0"/>
-              </a:rPr>
-              <a:t> </a:t>
-            </a:r>
-            <a:r>
-              <a:rPr lang="en-GB" sz="8000" dirty="0" err="1">
+              <a:rPr lang="en-GB" sz="7200" dirty="0">
+                <a:latin typeface="Admiral" pitchFamily="2" charset="0"/>
+              </a:rPr>
+              <a:t> </a:t>
+            </a:r>
+            <a:r>
+              <a:rPr lang="en-GB" sz="7200" dirty="0" err="1">
                 <a:latin typeface="Admiral" pitchFamily="2" charset="0"/>
               </a:rPr>
               <a:t>nihidy</a:t>
             </a:r>
             <a:r>
-              <a:rPr lang="en-GB" sz="8000" dirty="0">
-                <a:latin typeface="Admiral" pitchFamily="2" charset="0"/>
-              </a:rPr>
-              <a:t> </a:t>
-            </a:r>
-            <a:r>
-              <a:rPr lang="en-GB" sz="8000" dirty="0" err="1">
+              <a:rPr lang="en-GB" sz="7200" dirty="0">
+                <a:latin typeface="Admiral" pitchFamily="2" charset="0"/>
+              </a:rPr>
+              <a:t> </a:t>
+            </a:r>
+            <a:r>
+              <a:rPr lang="en-GB" sz="7200" dirty="0" err="1">
                 <a:latin typeface="Admiral" pitchFamily="2" charset="0"/>
               </a:rPr>
               <a:t>tany</a:t>
             </a:r>
             <a:r>
-              <a:rPr lang="en-GB" sz="8000" dirty="0">
+              <a:rPr lang="en-GB" sz="7200" dirty="0">
                 <a:latin typeface="Admiral" pitchFamily="2" charset="0"/>
               </a:rPr>
               <a:t> aloha</a:t>
             </a:r>
-            <a:endParaRPr lang="fr-FR" sz="8000" dirty="0" smtClean="0">
+            <a:endParaRPr lang="fr-FR" sz="7200" dirty="0" smtClean="0">
               <a:effectLst/>
               <a:latin typeface="Admiral" pitchFamily="2" charset="0"/>
             </a:endParaRPr>
@@ -3409,54 +3414,54 @@
           <a:p>
             <a:pPr algn="ctr"/>
             <a:r>
-              <a:rPr lang="en-GB" sz="8000" dirty="0" smtClean="0">
-                <a:latin typeface="Admiral" pitchFamily="2" charset="0"/>
-              </a:rPr>
-              <a:t> </a:t>
-            </a:r>
-            <a:r>
-              <a:rPr lang="en-GB" sz="8000" dirty="0" err="1" smtClean="0">
+              <a:rPr lang="en-GB" sz="7200" dirty="0" smtClean="0">
+                <a:latin typeface="Admiral" pitchFamily="2" charset="0"/>
+              </a:rPr>
+              <a:t> </a:t>
+            </a:r>
+            <a:r>
+              <a:rPr lang="en-GB" sz="7200" dirty="0" err="1" smtClean="0">
                 <a:latin typeface="Admiral" pitchFamily="2" charset="0"/>
               </a:rPr>
               <a:t>Noho</a:t>
             </a:r>
             <a:r>
-              <a:rPr lang="en-GB" sz="8000" dirty="0" smtClean="0">
-                <a:latin typeface="Admiral" pitchFamily="2" charset="0"/>
-              </a:rPr>
-              <a:t> </a:t>
-            </a:r>
-            <a:r>
-              <a:rPr lang="en-GB" sz="8000" dirty="0" err="1">
+              <a:rPr lang="en-GB" sz="7200" dirty="0" smtClean="0">
+                <a:latin typeface="Admiral" pitchFamily="2" charset="0"/>
+              </a:rPr>
+              <a:t> </a:t>
+            </a:r>
+            <a:r>
+              <a:rPr lang="en-GB" sz="7200" dirty="0" err="1">
                 <a:latin typeface="Admiral" pitchFamily="2" charset="0"/>
               </a:rPr>
               <a:t>ny</a:t>
             </a:r>
             <a:r>
-              <a:rPr lang="en-GB" sz="8000" dirty="0">
-                <a:latin typeface="Admiral" pitchFamily="2" charset="0"/>
-              </a:rPr>
-              <a:t> </a:t>
-            </a:r>
-            <a:r>
-              <a:rPr lang="en-GB" sz="8000" dirty="0" err="1">
+              <a:rPr lang="en-GB" sz="7200" dirty="0">
+                <a:latin typeface="Admiral" pitchFamily="2" charset="0"/>
+              </a:rPr>
+              <a:t> </a:t>
+            </a:r>
+            <a:r>
+              <a:rPr lang="en-GB" sz="7200" dirty="0" err="1">
                 <a:latin typeface="Admiral" pitchFamily="2" charset="0"/>
               </a:rPr>
               <a:t>ota</a:t>
             </a:r>
             <a:r>
-              <a:rPr lang="en-GB" sz="8000" dirty="0">
-                <a:latin typeface="Admiral" pitchFamily="2" charset="0"/>
-              </a:rPr>
-              <a:t> </a:t>
-            </a:r>
-            <a:r>
-              <a:rPr lang="en-GB" sz="8000" dirty="0" err="1" smtClean="0">
+              <a:rPr lang="en-GB" sz="7200" dirty="0">
+                <a:latin typeface="Admiral" pitchFamily="2" charset="0"/>
+              </a:rPr>
+              <a:t> </a:t>
+            </a:r>
+            <a:r>
+              <a:rPr lang="en-GB" sz="7200" dirty="0" err="1" smtClean="0">
                 <a:latin typeface="Admiral" pitchFamily="2" charset="0"/>
               </a:rPr>
               <a:t>ratsin-drazantsika</a:t>
             </a:r>
-            <a:endParaRPr lang="fr-FR" sz="8000" dirty="0" smtClean="0">
+            <a:endParaRPr lang="fr-FR" sz="7200" dirty="0" smtClean="0">
               <a:effectLst/>
               <a:latin typeface="Admiral" pitchFamily="2" charset="0"/>
             </a:endParaRPr>
@@ -3464,42 +3469,42 @@
           <a:p>
             <a:pPr algn="ctr"/>
             <a:r>
-              <a:rPr lang="en-GB" sz="8000" dirty="0">
+              <a:rPr lang="en-GB" sz="7200" dirty="0">
                 <a:latin typeface="Admiral" pitchFamily="2" charset="0"/>
               </a:rPr>
               <a:t>   He, </a:t>
             </a:r>
             <a:r>
-              <a:rPr lang="en-GB" sz="8000" dirty="0" err="1">
+              <a:rPr lang="en-GB" sz="7200" dirty="0" err="1">
                 <a:latin typeface="Admiral" pitchFamily="2" charset="0"/>
               </a:rPr>
               <a:t>midanadana</a:t>
             </a:r>
             <a:r>
-              <a:rPr lang="en-GB" sz="8000" dirty="0">
-                <a:latin typeface="Admiral" pitchFamily="2" charset="0"/>
-              </a:rPr>
-              <a:t> </a:t>
-            </a:r>
-            <a:r>
-              <a:rPr lang="en-GB" sz="8000" dirty="0" err="1">
+              <a:rPr lang="en-GB" sz="7200" dirty="0">
+                <a:latin typeface="Admiral" pitchFamily="2" charset="0"/>
+              </a:rPr>
+              <a:t> </a:t>
+            </a:r>
+            <a:r>
+              <a:rPr lang="en-GB" sz="7200" dirty="0" err="1">
                 <a:latin typeface="Admiral" pitchFamily="2" charset="0"/>
               </a:rPr>
               <a:t>sy</a:t>
             </a:r>
             <a:r>
-              <a:rPr lang="en-GB" sz="8000" dirty="0">
-                <a:latin typeface="Admiral" pitchFamily="2" charset="0"/>
-              </a:rPr>
-              <a:t> </a:t>
-            </a:r>
-            <a:r>
-              <a:rPr lang="en-GB" sz="8000" dirty="0" err="1">
+              <a:rPr lang="en-GB" sz="7200" dirty="0">
+                <a:latin typeface="Admiral" pitchFamily="2" charset="0"/>
+              </a:rPr>
+              <a:t> </a:t>
+            </a:r>
+            <a:r>
+              <a:rPr lang="en-GB" sz="7200" dirty="0" err="1">
                 <a:latin typeface="Admiral" pitchFamily="2" charset="0"/>
               </a:rPr>
               <a:t>mivoha</a:t>
             </a:r>
-            <a:endParaRPr lang="fr-FR" sz="8000" dirty="0" smtClean="0">
+            <a:endParaRPr lang="fr-FR" sz="7200" dirty="0" smtClean="0">
               <a:effectLst/>
               <a:latin typeface="Admiral" pitchFamily="2" charset="0"/>
             </a:endParaRPr>
@@ -3507,60 +3512,60 @@
           <a:p>
             <a:pPr algn="ctr"/>
             <a:r>
-              <a:rPr lang="en-GB" sz="8000" dirty="0">
+              <a:rPr lang="en-GB" sz="7200" dirty="0">
                 <a:latin typeface="Admiral" pitchFamily="2" charset="0"/>
               </a:rPr>
               <a:t>   </a:t>
             </a:r>
             <a:r>
-              <a:rPr lang="en-GB" sz="8000" dirty="0" err="1">
+              <a:rPr lang="en-GB" sz="7200" dirty="0" err="1">
                 <a:latin typeface="Admiral" pitchFamily="2" charset="0"/>
               </a:rPr>
               <a:t>Ka</a:t>
             </a:r>
             <a:r>
-              <a:rPr lang="en-GB" sz="8000" dirty="0">
-                <a:latin typeface="Admiral" pitchFamily="2" charset="0"/>
-              </a:rPr>
-              <a:t> </a:t>
-            </a:r>
-            <a:r>
-              <a:rPr lang="en-GB" sz="8000" dirty="0" err="1">
+              <a:rPr lang="en-GB" sz="7200" dirty="0">
+                <a:latin typeface="Admiral" pitchFamily="2" charset="0"/>
+              </a:rPr>
+              <a:t> </a:t>
+            </a:r>
+            <a:r>
+              <a:rPr lang="en-GB" sz="7200" dirty="0" err="1">
                 <a:latin typeface="Admiral" pitchFamily="2" charset="0"/>
               </a:rPr>
               <a:t>idiro</a:t>
             </a:r>
             <a:r>
-              <a:rPr lang="en-GB" sz="8000" dirty="0">
-                <a:latin typeface="Admiral" pitchFamily="2" charset="0"/>
-              </a:rPr>
-              <a:t> </a:t>
-            </a:r>
-            <a:r>
-              <a:rPr lang="en-GB" sz="8000" dirty="0" err="1">
+              <a:rPr lang="en-GB" sz="7200" dirty="0">
+                <a:latin typeface="Admiral" pitchFamily="2" charset="0"/>
+              </a:rPr>
+              <a:t> </a:t>
+            </a:r>
+            <a:r>
+              <a:rPr lang="en-GB" sz="7200" dirty="0" err="1">
                 <a:latin typeface="Admiral" pitchFamily="2" charset="0"/>
               </a:rPr>
               <a:t>hitondray</a:t>
             </a:r>
             <a:r>
-              <a:rPr lang="en-GB" sz="8000" dirty="0">
-                <a:latin typeface="Admiral" pitchFamily="2" charset="0"/>
-              </a:rPr>
-              <a:t> </a:t>
-            </a:r>
-            <a:r>
-              <a:rPr lang="en-GB" sz="8000" dirty="0" err="1">
+              <a:rPr lang="en-GB" sz="7200" dirty="0">
+                <a:latin typeface="Admiral" pitchFamily="2" charset="0"/>
+              </a:rPr>
+              <a:t> </a:t>
+            </a:r>
+            <a:r>
+              <a:rPr lang="en-GB" sz="7200" dirty="0" err="1">
                 <a:latin typeface="Admiral" pitchFamily="2" charset="0"/>
               </a:rPr>
               <a:t>mozika</a:t>
             </a:r>
             <a:r>
-              <a:rPr lang="en-GB" sz="8000" dirty="0" smtClean="0">
+              <a:rPr lang="en-GB" sz="7200" dirty="0" smtClean="0">
                 <a:latin typeface="Admiral" pitchFamily="2" charset="0"/>
               </a:rPr>
               <a:t>.</a:t>
             </a:r>
-            <a:endParaRPr lang="fr-FR" sz="8000" dirty="0">
+            <a:endParaRPr lang="fr-FR" sz="7200" dirty="0">
               <a:latin typeface="Admiral" pitchFamily="2" charset="0"/>
             </a:endParaRPr>
           </a:p>
@@ -3604,8 +3609,8 @@
         </p:nvSpPr>
         <p:spPr>
           <a:xfrm>
-            <a:off x="0" y="792480"/>
-            <a:ext cx="12192000" cy="5016758"/>
+            <a:off x="0" y="847074"/>
+            <a:ext cx="12192000" cy="4524315"/>
           </a:xfrm>
           <a:prstGeom prst="rect">
             <a:avLst/>
@@ -3620,42 +3625,42 @@
           <a:p>
             <a:pPr algn="ctr"/>
             <a:r>
-              <a:rPr lang="en-GB" sz="8000" b="1" dirty="0">
+              <a:rPr lang="en-GB" sz="7200" b="1" dirty="0">
                 <a:latin typeface="Admiral" pitchFamily="2" charset="0"/>
               </a:rPr>
               <a:t>2 ‘Lay </a:t>
             </a:r>
             <a:r>
-              <a:rPr lang="en-GB" sz="8000" b="1" dirty="0" err="1">
+              <a:rPr lang="en-GB" sz="7200" b="1" dirty="0" err="1">
                 <a:latin typeface="Admiral" pitchFamily="2" charset="0"/>
               </a:rPr>
               <a:t>satana</a:t>
             </a:r>
             <a:r>
-              <a:rPr lang="en-GB" sz="8000" b="1" dirty="0">
-                <a:latin typeface="Admiral" pitchFamily="2" charset="0"/>
-              </a:rPr>
-              <a:t> </a:t>
-            </a:r>
-            <a:r>
-              <a:rPr lang="en-GB" sz="8000" b="1" dirty="0" err="1">
+              <a:rPr lang="en-GB" sz="7200" b="1" dirty="0">
+                <a:latin typeface="Admiral" pitchFamily="2" charset="0"/>
+              </a:rPr>
+              <a:t> </a:t>
+            </a:r>
+            <a:r>
+              <a:rPr lang="en-GB" sz="7200" b="1" dirty="0" err="1">
                 <a:latin typeface="Admiral" pitchFamily="2" charset="0"/>
               </a:rPr>
               <a:t>tena</a:t>
             </a:r>
             <a:r>
-              <a:rPr lang="en-GB" sz="8000" b="1" dirty="0">
-                <a:latin typeface="Admiral" pitchFamily="2" charset="0"/>
-              </a:rPr>
-              <a:t> </a:t>
-            </a:r>
-            <a:r>
-              <a:rPr lang="en-GB" sz="8000" b="1" dirty="0" err="1">
+              <a:rPr lang="en-GB" sz="7200" b="1" dirty="0">
+                <a:latin typeface="Admiral" pitchFamily="2" charset="0"/>
+              </a:rPr>
+              <a:t> </a:t>
+            </a:r>
+            <a:r>
+              <a:rPr lang="en-GB" sz="7200" b="1" dirty="0" err="1">
                 <a:latin typeface="Admiral" pitchFamily="2" charset="0"/>
               </a:rPr>
               <a:t>fahavalo</a:t>
             </a:r>
-            <a:endParaRPr lang="fr-FR" sz="8000" b="1" dirty="0" smtClean="0">
+            <a:endParaRPr lang="fr-FR" sz="7200" b="1" dirty="0" smtClean="0">
               <a:effectLst/>
               <a:latin typeface="Admiral" pitchFamily="2" charset="0"/>
             </a:endParaRPr>
@@ -3663,54 +3668,54 @@
           <a:p>
             <a:pPr algn="ctr"/>
             <a:r>
-              <a:rPr lang="en-GB" sz="8000" b="1" dirty="0">
+              <a:rPr lang="en-GB" sz="7200" b="1" dirty="0">
                 <a:latin typeface="Admiral" pitchFamily="2" charset="0"/>
               </a:rPr>
               <a:t>   </a:t>
             </a:r>
             <a:r>
-              <a:rPr lang="en-GB" sz="8000" b="1" dirty="0" err="1">
+              <a:rPr lang="en-GB" sz="7200" b="1" dirty="0" err="1">
                 <a:latin typeface="Admiral" pitchFamily="2" charset="0"/>
               </a:rPr>
               <a:t>Resy</a:t>
             </a:r>
             <a:r>
-              <a:rPr lang="en-GB" sz="8000" b="1" dirty="0">
-                <a:latin typeface="Admiral" pitchFamily="2" charset="0"/>
-              </a:rPr>
-              <a:t> </a:t>
-            </a:r>
-            <a:r>
-              <a:rPr lang="en-GB" sz="8000" b="1" dirty="0" err="1">
+              <a:rPr lang="en-GB" sz="7200" b="1" dirty="0">
+                <a:latin typeface="Admiral" pitchFamily="2" charset="0"/>
+              </a:rPr>
+              <a:t> </a:t>
+            </a:r>
+            <a:r>
+              <a:rPr lang="en-GB" sz="7200" b="1" dirty="0" err="1">
                 <a:latin typeface="Admiral" pitchFamily="2" charset="0"/>
               </a:rPr>
               <a:t>teo</a:t>
             </a:r>
             <a:r>
-              <a:rPr lang="en-GB" sz="8000" b="1" dirty="0">
-                <a:latin typeface="Admiral" pitchFamily="2" charset="0"/>
-              </a:rPr>
-              <a:t> </a:t>
-            </a:r>
-            <a:r>
-              <a:rPr lang="en-GB" sz="8000" b="1" dirty="0" err="1">
+              <a:rPr lang="en-GB" sz="7200" b="1" dirty="0">
+                <a:latin typeface="Admiral" pitchFamily="2" charset="0"/>
+              </a:rPr>
+              <a:t> </a:t>
+            </a:r>
+            <a:r>
+              <a:rPr lang="en-GB" sz="7200" b="1" dirty="0" err="1">
                 <a:latin typeface="Admiral" pitchFamily="2" charset="0"/>
               </a:rPr>
               <a:t>ka</a:t>
             </a:r>
             <a:r>
-              <a:rPr lang="en-GB" sz="8000" b="1" dirty="0">
-                <a:latin typeface="Admiral" pitchFamily="2" charset="0"/>
-              </a:rPr>
-              <a:t> </a:t>
-            </a:r>
-            <a:r>
-              <a:rPr lang="en-GB" sz="8000" b="1" dirty="0" err="1">
+              <a:rPr lang="en-GB" sz="7200" b="1" dirty="0">
+                <a:latin typeface="Admiral" pitchFamily="2" charset="0"/>
+              </a:rPr>
+              <a:t> </a:t>
+            </a:r>
+            <a:r>
+              <a:rPr lang="en-GB" sz="7200" b="1" dirty="0" err="1">
                 <a:latin typeface="Admiral" pitchFamily="2" charset="0"/>
               </a:rPr>
               <a:t>voakodia</a:t>
             </a:r>
-            <a:endParaRPr lang="fr-FR" sz="8000" b="1" dirty="0" smtClean="0">
+            <a:endParaRPr lang="fr-FR" sz="7200" b="1" dirty="0" smtClean="0">
               <a:effectLst/>
               <a:latin typeface="Admiral" pitchFamily="2" charset="0"/>
             </a:endParaRPr>
@@ -3718,42 +3723,42 @@
           <a:p>
             <a:pPr algn="ctr"/>
             <a:r>
-              <a:rPr lang="en-GB" sz="8000" b="1" dirty="0">
+              <a:rPr lang="en-GB" sz="7200" b="1" dirty="0">
                 <a:latin typeface="Admiral" pitchFamily="2" charset="0"/>
               </a:rPr>
               <a:t>   Koa </a:t>
             </a:r>
             <a:r>
-              <a:rPr lang="en-GB" sz="8000" b="1" dirty="0" err="1">
+              <a:rPr lang="en-GB" sz="7200" b="1" dirty="0" err="1">
                 <a:latin typeface="Admiral" pitchFamily="2" charset="0"/>
               </a:rPr>
               <a:t>herezo</a:t>
             </a:r>
             <a:r>
-              <a:rPr lang="en-GB" sz="8000" b="1" dirty="0">
-                <a:latin typeface="Admiral" pitchFamily="2" charset="0"/>
-              </a:rPr>
-              <a:t> </a:t>
-            </a:r>
-            <a:r>
-              <a:rPr lang="en-GB" sz="8000" b="1" dirty="0" err="1">
+              <a:rPr lang="en-GB" sz="7200" b="1" dirty="0">
+                <a:latin typeface="Admiral" pitchFamily="2" charset="0"/>
+              </a:rPr>
+              <a:t> </a:t>
+            </a:r>
+            <a:r>
+              <a:rPr lang="en-GB" sz="7200" b="1" dirty="0" err="1">
                 <a:latin typeface="Admiral" pitchFamily="2" charset="0"/>
               </a:rPr>
               <a:t>aza</a:t>
             </a:r>
             <a:r>
-              <a:rPr lang="en-GB" sz="8000" b="1" dirty="0">
-                <a:latin typeface="Admiral" pitchFamily="2" charset="0"/>
-              </a:rPr>
-              <a:t> </a:t>
-            </a:r>
-            <a:r>
-              <a:rPr lang="en-GB" sz="8000" b="1" dirty="0" err="1">
+              <a:rPr lang="en-GB" sz="7200" b="1" dirty="0">
+                <a:latin typeface="Admiral" pitchFamily="2" charset="0"/>
+              </a:rPr>
+              <a:t> </a:t>
+            </a:r>
+            <a:r>
+              <a:rPr lang="en-GB" sz="7200" b="1" dirty="0" err="1">
                 <a:latin typeface="Admiral" pitchFamily="2" charset="0"/>
               </a:rPr>
               <a:t>mimalo</a:t>
             </a:r>
-            <a:endParaRPr lang="fr-FR" sz="8000" b="1" dirty="0" smtClean="0">
+            <a:endParaRPr lang="fr-FR" sz="7200" b="1" dirty="0" smtClean="0">
               <a:effectLst/>
               <a:latin typeface="Admiral" pitchFamily="2" charset="0"/>
             </a:endParaRPr>
@@ -3761,60 +3766,60 @@
           <a:p>
             <a:pPr algn="ctr"/>
             <a:r>
-              <a:rPr lang="en-GB" sz="8000" b="1" dirty="0">
+              <a:rPr lang="en-GB" sz="7200" b="1" dirty="0">
                 <a:latin typeface="Admiral" pitchFamily="2" charset="0"/>
               </a:rPr>
               <a:t>   </a:t>
             </a:r>
             <a:r>
-              <a:rPr lang="en-GB" sz="8000" b="1" dirty="0" err="1">
+              <a:rPr lang="en-GB" sz="7200" b="1" dirty="0" err="1">
                 <a:latin typeface="Admiral" pitchFamily="2" charset="0"/>
               </a:rPr>
               <a:t>Tokinao</a:t>
             </a:r>
             <a:r>
-              <a:rPr lang="en-GB" sz="8000" b="1" dirty="0">
-                <a:latin typeface="Admiral" pitchFamily="2" charset="0"/>
-              </a:rPr>
-              <a:t> </a:t>
-            </a:r>
-            <a:r>
-              <a:rPr lang="en-GB" sz="8000" b="1" dirty="0" err="1">
+              <a:rPr lang="en-GB" sz="7200" b="1" dirty="0">
+                <a:latin typeface="Admiral" pitchFamily="2" charset="0"/>
+              </a:rPr>
+              <a:t> </a:t>
+            </a:r>
+            <a:r>
+              <a:rPr lang="en-GB" sz="7200" b="1" dirty="0" err="1">
                 <a:latin typeface="Admiral" pitchFamily="2" charset="0"/>
               </a:rPr>
               <a:t>anio</a:t>
             </a:r>
             <a:r>
-              <a:rPr lang="en-GB" sz="8000" b="1" dirty="0">
-                <a:latin typeface="Admiral" pitchFamily="2" charset="0"/>
-              </a:rPr>
-              <a:t> </a:t>
-            </a:r>
-            <a:r>
-              <a:rPr lang="en-GB" sz="8000" b="1" dirty="0" err="1">
+              <a:rPr lang="en-GB" sz="7200" b="1" dirty="0">
+                <a:latin typeface="Admiral" pitchFamily="2" charset="0"/>
+              </a:rPr>
+              <a:t> </a:t>
+            </a:r>
+            <a:r>
+              <a:rPr lang="en-GB" sz="7200" b="1" dirty="0" err="1">
                 <a:latin typeface="Admiral" pitchFamily="2" charset="0"/>
               </a:rPr>
               <a:t>ilay</a:t>
             </a:r>
             <a:r>
-              <a:rPr lang="en-GB" sz="8000" b="1" dirty="0">
-                <a:latin typeface="Admiral" pitchFamily="2" charset="0"/>
-              </a:rPr>
-              <a:t> </a:t>
-            </a:r>
-            <a:r>
-              <a:rPr lang="en-GB" sz="8000" b="1" dirty="0" err="1" smtClean="0">
+              <a:rPr lang="en-GB" sz="7200" b="1" dirty="0">
+                <a:latin typeface="Admiral" pitchFamily="2" charset="0"/>
+              </a:rPr>
+              <a:t> </a:t>
+            </a:r>
+            <a:r>
+              <a:rPr lang="en-GB" sz="7200" b="1" dirty="0" err="1" smtClean="0">
                 <a:latin typeface="Admiral" pitchFamily="2" charset="0"/>
               </a:rPr>
               <a:t>Mesia</a:t>
             </a:r>
             <a:r>
-              <a:rPr lang="en-GB" sz="8000" b="1" dirty="0" smtClean="0">
+              <a:rPr lang="en-GB" sz="7200" b="1" dirty="0" smtClean="0">
                 <a:latin typeface="Admiral" pitchFamily="2" charset="0"/>
               </a:rPr>
               <a:t>   </a:t>
             </a:r>
-            <a:endParaRPr lang="fr-FR" sz="8000" b="1" dirty="0">
+            <a:endParaRPr lang="fr-FR" sz="7200" b="1" dirty="0">
               <a:latin typeface="Admiral" pitchFamily="2" charset="0"/>
             </a:endParaRPr>
           </a:p>
@@ -3858,8 +3863,8 @@
         </p:nvSpPr>
         <p:spPr>
           <a:xfrm>
-            <a:off x="0" y="960120"/>
-            <a:ext cx="12192000" cy="5016758"/>
+            <a:off x="0" y="345974"/>
+            <a:ext cx="12192000" cy="6186309"/>
           </a:xfrm>
           <a:prstGeom prst="rect">
             <a:avLst/>
@@ -3874,48 +3879,48 @@
           <a:p>
             <a:pPr algn="ctr"/>
             <a:r>
-              <a:rPr lang="en-GB" sz="8000" b="1" dirty="0" err="1" smtClean="0">
+              <a:rPr lang="en-GB" sz="6600" dirty="0" err="1" smtClean="0">
                 <a:latin typeface="Admiral" pitchFamily="2" charset="0"/>
               </a:rPr>
               <a:t>Ry</a:t>
             </a:r>
             <a:r>
-              <a:rPr lang="en-GB" sz="8000" b="1" dirty="0" smtClean="0">
-                <a:latin typeface="Admiral" pitchFamily="2" charset="0"/>
-              </a:rPr>
-              <a:t> </a:t>
-            </a:r>
-            <a:r>
-              <a:rPr lang="en-GB" sz="8000" b="1" dirty="0" err="1">
+              <a:rPr lang="en-GB" sz="6600" dirty="0" smtClean="0">
+                <a:latin typeface="Admiral" pitchFamily="2" charset="0"/>
+              </a:rPr>
+              <a:t> </a:t>
+            </a:r>
+            <a:r>
+              <a:rPr lang="en-GB" sz="6600" dirty="0" err="1">
                 <a:latin typeface="Admiral" pitchFamily="2" charset="0"/>
               </a:rPr>
               <a:t>voahosotra</a:t>
             </a:r>
             <a:r>
-              <a:rPr lang="en-GB" sz="8000" b="1" dirty="0">
-                <a:latin typeface="Admiral" pitchFamily="2" charset="0"/>
-              </a:rPr>
-              <a:t> </a:t>
-            </a:r>
-            <a:r>
-              <a:rPr lang="en-GB" sz="8000" b="1" dirty="0" err="1" smtClean="0">
+              <a:rPr lang="en-GB" sz="6600" dirty="0">
+                <a:latin typeface="Admiral" pitchFamily="2" charset="0"/>
+              </a:rPr>
+              <a:t> </a:t>
+            </a:r>
+            <a:r>
+              <a:rPr lang="en-GB" sz="6600" dirty="0" err="1" smtClean="0">
                 <a:latin typeface="Admiral" pitchFamily="2" charset="0"/>
               </a:rPr>
               <a:t>hitondrana</a:t>
             </a:r>
             <a:r>
-              <a:rPr lang="en-GB" sz="8000" b="1" dirty="0" smtClean="0">
-                <a:latin typeface="Admiral" pitchFamily="2" charset="0"/>
-              </a:rPr>
-              <a:t> </a:t>
-            </a:r>
-            <a:r>
-              <a:rPr lang="en-GB" sz="8000" b="1" dirty="0" err="1">
+              <a:rPr lang="en-GB" sz="6600" dirty="0" smtClean="0">
+                <a:latin typeface="Admiral" pitchFamily="2" charset="0"/>
+              </a:rPr>
+              <a:t> </a:t>
+            </a:r>
+            <a:r>
+              <a:rPr lang="en-GB" sz="6600" dirty="0" err="1">
                 <a:latin typeface="Admiral" pitchFamily="2" charset="0"/>
               </a:rPr>
               <a:t>famonjena</a:t>
             </a:r>
-            <a:endParaRPr lang="fr-FR" sz="8000" b="1" dirty="0" smtClean="0">
+            <a:endParaRPr lang="fr-FR" sz="6600" dirty="0" smtClean="0">
               <a:effectLst/>
               <a:latin typeface="Admiral" pitchFamily="2" charset="0"/>
             </a:endParaRPr>
@@ -3923,60 +3928,66 @@
           <a:p>
             <a:pPr algn="ctr"/>
             <a:r>
-              <a:rPr lang="en-GB" sz="8000" b="1" dirty="0" err="1" smtClean="0">
+              <a:rPr lang="en-GB" sz="6600" dirty="0" err="1" smtClean="0">
                 <a:latin typeface="Admiral" pitchFamily="2" charset="0"/>
               </a:rPr>
               <a:t>Ndreto</a:t>
             </a:r>
             <a:r>
-              <a:rPr lang="en-GB" sz="8000" b="1" dirty="0" smtClean="0">
-                <a:latin typeface="Admiral" pitchFamily="2" charset="0"/>
-              </a:rPr>
-              <a:t> </a:t>
-            </a:r>
-            <a:r>
-              <a:rPr lang="en-GB" sz="8000" b="1" dirty="0" err="1">
+              <a:rPr lang="en-GB" sz="6600" dirty="0" smtClean="0">
+                <a:latin typeface="Admiral" pitchFamily="2" charset="0"/>
+              </a:rPr>
+              <a:t> </a:t>
+            </a:r>
+            <a:r>
+              <a:rPr lang="en-GB" sz="6600" dirty="0" err="1">
                 <a:latin typeface="Admiral" pitchFamily="2" charset="0"/>
               </a:rPr>
               <a:t>ento</a:t>
             </a:r>
             <a:r>
-              <a:rPr lang="en-GB" sz="8000" b="1" dirty="0">
-                <a:latin typeface="Admiral" pitchFamily="2" charset="0"/>
-              </a:rPr>
-              <a:t> </a:t>
-            </a:r>
-            <a:r>
-              <a:rPr lang="en-GB" sz="8000" b="1" dirty="0" err="1">
+              <a:rPr lang="en-GB" sz="6600" dirty="0">
+                <a:latin typeface="Admiral" pitchFamily="2" charset="0"/>
+              </a:rPr>
+              <a:t> </a:t>
+            </a:r>
+            <a:r>
+              <a:rPr lang="en-GB" sz="6600" dirty="0" err="1">
                 <a:latin typeface="Admiral" pitchFamily="2" charset="0"/>
               </a:rPr>
               <a:t>ho</a:t>
             </a:r>
             <a:r>
-              <a:rPr lang="en-GB" sz="8000" b="1" dirty="0">
-                <a:latin typeface="Admiral" pitchFamily="2" charset="0"/>
-              </a:rPr>
-              <a:t> </a:t>
-            </a:r>
-            <a:r>
-              <a:rPr lang="en-GB" sz="8000" b="1" dirty="0" err="1">
+              <a:rPr lang="en-GB" sz="6600" dirty="0">
+                <a:latin typeface="Admiral" pitchFamily="2" charset="0"/>
+              </a:rPr>
+              <a:t> </a:t>
+            </a:r>
+            <a:r>
+              <a:rPr lang="en-GB" sz="6600" dirty="0" err="1" smtClean="0">
                 <a:latin typeface="Admiral" pitchFamily="2" charset="0"/>
               </a:rPr>
               <a:t>Anao</a:t>
             </a:r>
             <a:r>
-              <a:rPr lang="en-GB" sz="8000" b="1" dirty="0">
-                <a:latin typeface="Admiral" pitchFamily="2" charset="0"/>
-              </a:rPr>
-              <a:t> ‘</a:t>
-            </a:r>
-            <a:r>
-              <a:rPr lang="en-GB" sz="8000" b="1" dirty="0" err="1">
+              <a:rPr lang="en-GB" sz="6600" dirty="0">
+                <a:latin typeface="Admiral" pitchFamily="2" charset="0"/>
+              </a:rPr>
+              <a:t> </a:t>
+            </a:r>
+            <a:r>
+              <a:rPr lang="en-GB" sz="6600" dirty="0" smtClean="0">
+                <a:latin typeface="Admiral" pitchFamily="2" charset="0"/>
+              </a:rPr>
+              <a:t>‘</a:t>
+            </a:r>
+            <a:r>
+              <a:rPr lang="en-GB" sz="6600" dirty="0" err="1" smtClean="0">
                 <a:latin typeface="Admiral" pitchFamily="2" charset="0"/>
               </a:rPr>
               <a:t>zahay</a:t>
             </a:r>
-            <a:endParaRPr lang="fr-FR" sz="8000" b="1" dirty="0" smtClean="0">
+            <a:endParaRPr lang="fr-FR" sz="6600" dirty="0" smtClean="0">
               <a:effectLst/>
               <a:latin typeface="Admiral" pitchFamily="2" charset="0"/>
             </a:endParaRPr>
@@ -3984,54 +3995,48 @@
           <a:p>
             <a:pPr algn="ctr"/>
             <a:r>
-              <a:rPr lang="en-GB" sz="8000" b="1" dirty="0">
-                <a:latin typeface="Admiral" pitchFamily="2" charset="0"/>
-              </a:rPr>
-              <a:t>   </a:t>
-            </a:r>
-            <a:r>
-              <a:rPr lang="en-GB" sz="8000" b="1" dirty="0" err="1">
+              <a:rPr lang="en-GB" sz="6600" dirty="0" err="1" smtClean="0">
                 <a:latin typeface="Admiral" pitchFamily="2" charset="0"/>
               </a:rPr>
               <a:t>Dia</a:t>
             </a:r>
             <a:r>
-              <a:rPr lang="en-GB" sz="8000" b="1" dirty="0">
-                <a:latin typeface="Admiral" pitchFamily="2" charset="0"/>
-              </a:rPr>
-              <a:t> </a:t>
-            </a:r>
-            <a:r>
-              <a:rPr lang="en-GB" sz="8000" b="1" dirty="0" err="1">
+              <a:rPr lang="en-GB" sz="6600" dirty="0" smtClean="0">
+                <a:latin typeface="Admiral" pitchFamily="2" charset="0"/>
+              </a:rPr>
+              <a:t> </a:t>
+            </a:r>
+            <a:r>
+              <a:rPr lang="en-GB" sz="6600" dirty="0" err="1">
                 <a:latin typeface="Admiral" pitchFamily="2" charset="0"/>
               </a:rPr>
               <a:t>izahay</a:t>
             </a:r>
             <a:r>
-              <a:rPr lang="en-GB" sz="8000" b="1" dirty="0">
-                <a:latin typeface="Admiral" pitchFamily="2" charset="0"/>
-              </a:rPr>
-              <a:t> </a:t>
-            </a:r>
-            <a:r>
-              <a:rPr lang="en-GB" sz="8000" b="1" dirty="0" err="1">
+              <a:rPr lang="en-GB" sz="6600" dirty="0">
+                <a:latin typeface="Admiral" pitchFamily="2" charset="0"/>
+              </a:rPr>
+              <a:t> </a:t>
+            </a:r>
+            <a:r>
+              <a:rPr lang="en-GB" sz="6600" dirty="0" err="1" smtClean="0">
                 <a:latin typeface="Admiral" pitchFamily="2" charset="0"/>
               </a:rPr>
               <a:t>izay</a:t>
             </a:r>
             <a:r>
-              <a:rPr lang="en-GB" sz="8000" b="1" dirty="0">
-                <a:latin typeface="Admiral" pitchFamily="2" charset="0"/>
-              </a:rPr>
-              <a:t> </a:t>
-            </a:r>
-            <a:r>
-              <a:rPr lang="en-GB" sz="8000" b="1" dirty="0" err="1">
+              <a:rPr lang="en-GB" sz="6600" dirty="0" smtClean="0">
+                <a:latin typeface="Admiral" pitchFamily="2" charset="0"/>
+              </a:rPr>
+              <a:t> </a:t>
+            </a:r>
+            <a:r>
+              <a:rPr lang="en-GB" sz="6600" dirty="0" err="1" smtClean="0">
                 <a:latin typeface="Admiral" pitchFamily="2" charset="0"/>
               </a:rPr>
               <a:t>miferin’aina</a:t>
             </a:r>
-            <a:endParaRPr lang="fr-FR" sz="8000" b="1" dirty="0" smtClean="0">
+            <a:endParaRPr lang="fr-FR" sz="6600" dirty="0" smtClean="0">
               <a:effectLst/>
               <a:latin typeface="Admiral" pitchFamily="2" charset="0"/>
             </a:endParaRPr>
@@ -4039,84 +4044,78 @@
           <a:p>
             <a:pPr algn="ctr"/>
             <a:r>
-              <a:rPr lang="en-GB" sz="8000" b="1" dirty="0">
-                <a:latin typeface="Admiral" pitchFamily="2" charset="0"/>
-              </a:rPr>
-              <a:t>   </a:t>
-            </a:r>
-            <a:r>
-              <a:rPr lang="en-GB" sz="8000" b="1" dirty="0" err="1">
+              <a:rPr lang="en-GB" sz="6600" dirty="0" err="1" smtClean="0">
                 <a:latin typeface="Admiral" pitchFamily="2" charset="0"/>
               </a:rPr>
               <a:t>Noho</a:t>
             </a:r>
             <a:r>
-              <a:rPr lang="en-GB" sz="8000" b="1" dirty="0">
-                <a:latin typeface="Admiral" pitchFamily="2" charset="0"/>
-              </a:rPr>
-              <a:t> </a:t>
-            </a:r>
-            <a:r>
-              <a:rPr lang="en-GB" sz="8000" b="1" dirty="0" err="1">
+              <a:rPr lang="en-GB" sz="6600" dirty="0" smtClean="0">
+                <a:latin typeface="Admiral" pitchFamily="2" charset="0"/>
+              </a:rPr>
+              <a:t> </a:t>
+            </a:r>
+            <a:r>
+              <a:rPr lang="en-GB" sz="6600" dirty="0" err="1">
                 <a:latin typeface="Admiral" pitchFamily="2" charset="0"/>
               </a:rPr>
               <a:t>ny</a:t>
             </a:r>
             <a:r>
-              <a:rPr lang="en-GB" sz="8000" b="1" dirty="0">
-                <a:latin typeface="Admiral" pitchFamily="2" charset="0"/>
-              </a:rPr>
-              <a:t> </a:t>
-            </a:r>
-            <a:r>
-              <a:rPr lang="en-GB" sz="8000" b="1" dirty="0" err="1">
+              <a:rPr lang="en-GB" sz="6600" dirty="0">
+                <a:latin typeface="Admiral" pitchFamily="2" charset="0"/>
+              </a:rPr>
+              <a:t> </a:t>
+            </a:r>
+            <a:r>
+              <a:rPr lang="en-GB" sz="6600" dirty="0" err="1">
                 <a:latin typeface="Admiral" pitchFamily="2" charset="0"/>
               </a:rPr>
               <a:t>ota</a:t>
             </a:r>
             <a:r>
-              <a:rPr lang="en-GB" sz="8000" b="1" dirty="0">
-                <a:latin typeface="Admiral" pitchFamily="2" charset="0"/>
-              </a:rPr>
-              <a:t> </a:t>
-            </a:r>
-            <a:r>
-              <a:rPr lang="en-GB" sz="8000" b="1" dirty="0" err="1">
+              <a:rPr lang="en-GB" sz="6600" dirty="0">
+                <a:latin typeface="Admiral" pitchFamily="2" charset="0"/>
+              </a:rPr>
+              <a:t> </a:t>
+            </a:r>
+            <a:r>
+              <a:rPr lang="en-GB" sz="6600" dirty="0" err="1">
                 <a:latin typeface="Admiral" pitchFamily="2" charset="0"/>
               </a:rPr>
               <a:t>izay</a:t>
             </a:r>
             <a:r>
-              <a:rPr lang="en-GB" sz="8000" b="1" dirty="0">
-                <a:latin typeface="Admiral" pitchFamily="2" charset="0"/>
-              </a:rPr>
-              <a:t> </a:t>
-            </a:r>
-            <a:r>
-              <a:rPr lang="en-GB" sz="8000" b="1" dirty="0" err="1" smtClean="0">
+              <a:rPr lang="en-GB" sz="6600" dirty="0">
+                <a:latin typeface="Admiral" pitchFamily="2" charset="0"/>
+              </a:rPr>
+              <a:t> </a:t>
+            </a:r>
+            <a:r>
+              <a:rPr lang="en-GB" sz="6600" dirty="0" err="1" smtClean="0">
                 <a:latin typeface="Admiral" pitchFamily="2" charset="0"/>
               </a:rPr>
               <a:t>mpahazo</a:t>
             </a:r>
             <a:r>
-              <a:rPr lang="en-GB" sz="8000" b="1" dirty="0" smtClean="0">
-                <a:latin typeface="Admiral" pitchFamily="2" charset="0"/>
-              </a:rPr>
-              <a:t> </a:t>
-            </a:r>
-            <a:r>
-              <a:rPr lang="en-GB" sz="8000" b="1" dirty="0" err="1">
+              <a:rPr lang="en-GB" sz="6600" dirty="0" smtClean="0">
+                <a:latin typeface="Admiral" pitchFamily="2" charset="0"/>
+              </a:rPr>
+              <a:t> </a:t>
+            </a:r>
+            <a:r>
+              <a:rPr lang="en-GB" sz="6600" dirty="0" err="1">
                 <a:latin typeface="Admiral" pitchFamily="2" charset="0"/>
               </a:rPr>
               <a:t>anay</a:t>
             </a:r>
             <a:r>
-              <a:rPr lang="en-GB" sz="8000" b="1" dirty="0" smtClean="0">
+              <a:rPr lang="en-GB" sz="6600" dirty="0" smtClean="0">
                 <a:latin typeface="Admiral" pitchFamily="2" charset="0"/>
               </a:rPr>
               <a:t>.</a:t>
             </a:r>
-            <a:endParaRPr lang="fr-FR" sz="8000" b="1" dirty="0">
+            <a:endParaRPr lang="fr-FR" sz="6600" dirty="0">
               <a:latin typeface="Admiral" pitchFamily="2" charset="0"/>
             </a:endParaRPr>
           </a:p>
@@ -4162,8 +4161,8 @@
         </p:nvSpPr>
         <p:spPr bwMode="auto">
           <a:xfrm>
-            <a:off x="0" y="1109325"/>
-            <a:ext cx="12192000" cy="5016758"/>
+            <a:off x="0" y="501295"/>
+            <a:ext cx="12192000" cy="5632311"/>
           </a:xfrm>
           <a:prstGeom prst="rect">
             <a:avLst/>
@@ -4228,7 +4227,7 @@
               <a:tabLst/>
             </a:pPr>
             <a:r>
-              <a:rPr kumimoji="0" lang="en-GB" sz="8000" b="1" i="0" u="none" strike="noStrike" cap="none" normalizeH="0" baseline="0" dirty="0" smtClean="0">
+              <a:rPr kumimoji="0" lang="en-GB" sz="7200" b="1" i="0" u="none" strike="noStrike" cap="none" normalizeH="0" baseline="0" dirty="0" smtClean="0">
                 <a:ln>
                   <a:noFill/>
                 </a:ln>
@@ -4238,21 +4237,21 @@
               <a:t>3.</a:t>
             </a:r>
             <a:r>
-              <a:rPr kumimoji="0" lang="en-GB" sz="8000" b="1" i="0" u="none" strike="noStrike" cap="none" normalizeH="0" baseline="0" dirty="0" smtClean="0">
-                <a:ln>
-                  <a:noFill/>
-                </a:ln>
-                <a:solidFill>
-                  <a:schemeClr val="tx1"/>
-                </a:solidFill>
-                <a:effectLst/>
-                <a:latin typeface="Admiral" pitchFamily="2" charset="0"/>
-                <a:cs typeface="Times New Roman" panose="02020603050405020304" pitchFamily="18" charset="0"/>
-              </a:rPr>
-              <a:t> </a:t>
-            </a:r>
-            <a:r>
-              <a:rPr kumimoji="0" lang="en-GB" sz="8000" b="1" i="0" u="none" strike="noStrike" cap="none" normalizeH="0" baseline="0" dirty="0" err="1" smtClean="0">
+              <a:rPr kumimoji="0" lang="en-GB" sz="7200" b="1" i="0" u="none" strike="noStrike" cap="none" normalizeH="0" baseline="0" dirty="0" smtClean="0">
+                <a:ln>
+                  <a:noFill/>
+                </a:ln>
+                <a:solidFill>
+                  <a:schemeClr val="tx1"/>
+                </a:solidFill>
+                <a:effectLst/>
+                <a:latin typeface="Admiral" pitchFamily="2" charset="0"/>
+                <a:cs typeface="Times New Roman" panose="02020603050405020304" pitchFamily="18" charset="0"/>
+              </a:rPr>
+              <a:t> </a:t>
+            </a:r>
+            <a:r>
+              <a:rPr kumimoji="0" lang="en-GB" sz="7200" b="1" i="0" u="none" strike="noStrike" cap="none" normalizeH="0" baseline="0" dirty="0" err="1" smtClean="0">
                 <a:ln>
                   <a:noFill/>
                 </a:ln>
@@ -4266,21 +4265,21 @@
               <a:t>Afaka</a:t>
             </a:r>
             <a:r>
-              <a:rPr kumimoji="0" lang="en-GB" sz="8000" b="1" i="0" u="none" strike="noStrike" cap="none" normalizeH="0" baseline="0" dirty="0" smtClean="0">
-                <a:ln>
-                  <a:noFill/>
-                </a:ln>
-                <a:solidFill>
-                  <a:schemeClr val="tx1"/>
-                </a:solidFill>
-                <a:effectLst/>
-                <a:latin typeface="Admiral" pitchFamily="2" charset="0"/>
-                <a:cs typeface="Times New Roman" panose="02020603050405020304" pitchFamily="18" charset="0"/>
-              </a:rPr>
-              <a:t> </a:t>
-            </a:r>
-            <a:r>
-              <a:rPr kumimoji="0" lang="en-GB" sz="8000" b="1" i="0" u="none" strike="noStrike" cap="none" normalizeH="0" baseline="0" dirty="0" err="1" smtClean="0">
+              <a:rPr kumimoji="0" lang="en-GB" sz="7200" b="1" i="0" u="none" strike="noStrike" cap="none" normalizeH="0" baseline="0" dirty="0" smtClean="0">
+                <a:ln>
+                  <a:noFill/>
+                </a:ln>
+                <a:solidFill>
+                  <a:schemeClr val="tx1"/>
+                </a:solidFill>
+                <a:effectLst/>
+                <a:latin typeface="Admiral" pitchFamily="2" charset="0"/>
+                <a:cs typeface="Times New Roman" panose="02020603050405020304" pitchFamily="18" charset="0"/>
+              </a:rPr>
+              <a:t> </a:t>
+            </a:r>
+            <a:r>
+              <a:rPr kumimoji="0" lang="en-GB" sz="7200" b="1" i="0" u="none" strike="noStrike" cap="none" normalizeH="0" baseline="0" dirty="0" err="1" smtClean="0">
                 <a:ln>
                   <a:noFill/>
                 </a:ln>
@@ -4294,21 +4293,21 @@
               <a:t>izahay</a:t>
             </a:r>
             <a:r>
-              <a:rPr kumimoji="0" lang="en-GB" sz="8000" b="1" i="0" u="none" strike="noStrike" cap="none" normalizeH="0" baseline="0" dirty="0" smtClean="0">
-                <a:ln>
-                  <a:noFill/>
-                </a:ln>
-                <a:solidFill>
-                  <a:schemeClr val="tx1"/>
-                </a:solidFill>
-                <a:effectLst/>
-                <a:latin typeface="Admiral" pitchFamily="2" charset="0"/>
-                <a:cs typeface="Times New Roman" panose="02020603050405020304" pitchFamily="18" charset="0"/>
-              </a:rPr>
-              <a:t> </a:t>
-            </a:r>
-            <a:r>
-              <a:rPr kumimoji="0" lang="en-GB" sz="8000" b="1" i="0" u="none" strike="noStrike" cap="none" normalizeH="0" baseline="0" dirty="0" err="1" smtClean="0">
+              <a:rPr kumimoji="0" lang="en-GB" sz="7200" b="1" i="0" u="none" strike="noStrike" cap="none" normalizeH="0" baseline="0" dirty="0" smtClean="0">
+                <a:ln>
+                  <a:noFill/>
+                </a:ln>
+                <a:solidFill>
+                  <a:schemeClr val="tx1"/>
+                </a:solidFill>
+                <a:effectLst/>
+                <a:latin typeface="Admiral" pitchFamily="2" charset="0"/>
+                <a:cs typeface="Times New Roman" panose="02020603050405020304" pitchFamily="18" charset="0"/>
+              </a:rPr>
+              <a:t> </a:t>
+            </a:r>
+            <a:r>
+              <a:rPr kumimoji="0" lang="en-GB" sz="7200" b="1" i="0" u="none" strike="noStrike" cap="none" normalizeH="0" baseline="0" dirty="0" err="1" smtClean="0">
                 <a:ln>
                   <a:noFill/>
                 </a:ln>
@@ -4321,7 +4320,7 @@
               </a:rPr>
               <a:t>ankehitriny</a:t>
             </a:r>
-            <a:endParaRPr kumimoji="0" lang="fr-FR" sz="13800" b="1" i="0" u="none" strike="noStrike" cap="none" normalizeH="0" baseline="0" dirty="0" smtClean="0">
+            <a:endParaRPr kumimoji="0" lang="fr-FR" sz="11500" b="1" i="0" u="none" strike="noStrike" cap="none" normalizeH="0" baseline="0" dirty="0" smtClean="0">
               <a:ln>
                 <a:noFill/>
               </a:ln>
@@ -4350,7 +4349,7 @@
               <a:tabLst/>
             </a:pPr>
             <a:r>
-              <a:rPr kumimoji="0" lang="en-GB" sz="8000" b="1" i="0" u="none" strike="noStrike" cap="none" normalizeH="0" baseline="0" dirty="0" smtClean="0">
+              <a:rPr kumimoji="0" lang="en-GB" sz="7200" b="1" i="0" u="none" strike="noStrike" cap="none" normalizeH="0" baseline="0" dirty="0" smtClean="0">
                 <a:ln>
                   <a:noFill/>
                 </a:ln>
@@ -4364,7 +4363,7 @@
               <a:t>   Tonga </a:t>
             </a:r>
             <a:r>
-              <a:rPr kumimoji="0" lang="en-GB" sz="8000" b="1" i="0" u="none" strike="noStrike" cap="none" normalizeH="0" baseline="0" dirty="0" err="1" smtClean="0">
+              <a:rPr kumimoji="0" lang="en-GB" sz="7200" b="1" i="0" u="none" strike="noStrike" cap="none" normalizeH="0" baseline="0" dirty="0" err="1" smtClean="0">
                 <a:ln>
                   <a:noFill/>
                 </a:ln>
@@ -4378,21 +4377,21 @@
               <a:t>ny</a:t>
             </a:r>
             <a:r>
-              <a:rPr kumimoji="0" lang="en-GB" sz="8000" b="1" i="0" u="none" strike="noStrike" cap="none" normalizeH="0" baseline="0" dirty="0" smtClean="0">
-                <a:ln>
-                  <a:noFill/>
-                </a:ln>
-                <a:solidFill>
-                  <a:schemeClr val="tx1"/>
-                </a:solidFill>
-                <a:effectLst/>
-                <a:latin typeface="Admiral" pitchFamily="2" charset="0"/>
-                <a:cs typeface="Times New Roman" panose="02020603050405020304" pitchFamily="18" charset="0"/>
-              </a:rPr>
-              <a:t> </a:t>
-            </a:r>
-            <a:r>
-              <a:rPr kumimoji="0" lang="en-GB" sz="8000" b="1" i="0" u="none" strike="noStrike" cap="none" normalizeH="0" baseline="0" dirty="0" err="1" smtClean="0">
+              <a:rPr kumimoji="0" lang="en-GB" sz="7200" b="1" i="0" u="none" strike="noStrike" cap="none" normalizeH="0" baseline="0" dirty="0" smtClean="0">
+                <a:ln>
+                  <a:noFill/>
+                </a:ln>
+                <a:solidFill>
+                  <a:schemeClr val="tx1"/>
+                </a:solidFill>
+                <a:effectLst/>
+                <a:latin typeface="Admiral" pitchFamily="2" charset="0"/>
+                <a:cs typeface="Times New Roman" panose="02020603050405020304" pitchFamily="18" charset="0"/>
+              </a:rPr>
+              <a:t> </a:t>
+            </a:r>
+            <a:r>
+              <a:rPr kumimoji="0" lang="en-GB" sz="7200" b="1" i="0" u="none" strike="noStrike" cap="none" normalizeH="0" baseline="0" dirty="0" err="1" smtClean="0">
                 <a:ln>
                   <a:noFill/>
                 </a:ln>
@@ -4406,21 +4405,21 @@
               <a:t>Mpanavotra</a:t>
             </a:r>
             <a:r>
-              <a:rPr kumimoji="0" lang="en-GB" sz="8000" b="1" i="0" u="none" strike="noStrike" cap="none" normalizeH="0" baseline="0" dirty="0" smtClean="0">
-                <a:ln>
-                  <a:noFill/>
-                </a:ln>
-                <a:solidFill>
-                  <a:schemeClr val="tx1"/>
-                </a:solidFill>
-                <a:effectLst/>
-                <a:latin typeface="Admiral" pitchFamily="2" charset="0"/>
-                <a:cs typeface="Times New Roman" panose="02020603050405020304" pitchFamily="18" charset="0"/>
-              </a:rPr>
-              <a:t> </a:t>
-            </a:r>
-            <a:r>
-              <a:rPr kumimoji="0" lang="en-GB" sz="8000" b="1" i="0" u="none" strike="noStrike" cap="none" normalizeH="0" baseline="0" dirty="0" err="1" smtClean="0">
+              <a:rPr kumimoji="0" lang="en-GB" sz="7200" b="1" i="0" u="none" strike="noStrike" cap="none" normalizeH="0" baseline="0" dirty="0" smtClean="0">
+                <a:ln>
+                  <a:noFill/>
+                </a:ln>
+                <a:solidFill>
+                  <a:schemeClr val="tx1"/>
+                </a:solidFill>
+                <a:effectLst/>
+                <a:latin typeface="Admiral" pitchFamily="2" charset="0"/>
+                <a:cs typeface="Times New Roman" panose="02020603050405020304" pitchFamily="18" charset="0"/>
+              </a:rPr>
+              <a:t> </a:t>
+            </a:r>
+            <a:r>
+              <a:rPr kumimoji="0" lang="en-GB" sz="7200" b="1" i="0" u="none" strike="noStrike" cap="none" normalizeH="0" baseline="0" dirty="0" err="1" smtClean="0">
                 <a:ln>
                   <a:noFill/>
                 </a:ln>
@@ -4434,20 +4433,20 @@
               <a:t>anay</a:t>
             </a:r>
             <a:r>
-              <a:rPr kumimoji="0" lang="en-GB" sz="8000" b="1" i="0" u="none" strike="noStrike" cap="none" normalizeH="0" baseline="0" dirty="0" smtClean="0">
-                <a:ln>
-                  <a:noFill/>
-                </a:ln>
-                <a:solidFill>
-                  <a:schemeClr val="tx1"/>
-                </a:solidFill>
-                <a:effectLst/>
-                <a:latin typeface="Admiral" pitchFamily="2" charset="0"/>
-                <a:cs typeface="Times New Roman" panose="02020603050405020304" pitchFamily="18" charset="0"/>
-              </a:rPr>
-              <a:t> </a:t>
-            </a:r>
-            <a:endParaRPr kumimoji="0" lang="fr-FR" sz="13800" b="1" i="0" u="none" strike="noStrike" cap="none" normalizeH="0" baseline="0" dirty="0" smtClean="0">
+              <a:rPr kumimoji="0" lang="en-GB" sz="7200" b="1" i="0" u="none" strike="noStrike" cap="none" normalizeH="0" baseline="0" dirty="0" smtClean="0">
+                <a:ln>
+                  <a:noFill/>
+                </a:ln>
+                <a:solidFill>
+                  <a:schemeClr val="tx1"/>
+                </a:solidFill>
+                <a:effectLst/>
+                <a:latin typeface="Admiral" pitchFamily="2" charset="0"/>
+                <a:cs typeface="Times New Roman" panose="02020603050405020304" pitchFamily="18" charset="0"/>
+              </a:rPr>
+              <a:t> </a:t>
+            </a:r>
+            <a:endParaRPr kumimoji="0" lang="fr-FR" sz="11500" b="1" i="0" u="none" strike="noStrike" cap="none" normalizeH="0" baseline="0" dirty="0" smtClean="0">
               <a:ln>
                 <a:noFill/>
               </a:ln>
@@ -4476,7 +4475,7 @@
               <a:tabLst/>
             </a:pPr>
             <a:r>
-              <a:rPr kumimoji="0" lang="en-GB" sz="8000" b="1" i="0" u="none" strike="noStrike" cap="none" normalizeH="0" baseline="0" dirty="0" smtClean="0">
+              <a:rPr kumimoji="0" lang="en-GB" sz="7200" b="1" i="0" u="none" strike="noStrike" cap="none" normalizeH="0" baseline="0" dirty="0" smtClean="0">
                 <a:ln>
                   <a:noFill/>
                 </a:ln>
@@ -4490,7 +4489,7 @@
               <a:t>   </a:t>
             </a:r>
             <a:r>
-              <a:rPr kumimoji="0" lang="en-GB" sz="8000" b="1" i="0" u="none" strike="noStrike" cap="none" normalizeH="0" baseline="0" dirty="0" err="1" smtClean="0">
+              <a:rPr kumimoji="0" lang="en-GB" sz="7200" b="1" i="0" u="none" strike="noStrike" cap="none" normalizeH="0" baseline="0" dirty="0" err="1" smtClean="0">
                 <a:ln>
                   <a:noFill/>
                 </a:ln>
@@ -4504,21 +4503,21 @@
               <a:t>Ka</a:t>
             </a:r>
             <a:r>
-              <a:rPr kumimoji="0" lang="en-GB" sz="8000" b="1" i="0" u="none" strike="noStrike" cap="none" normalizeH="0" baseline="0" dirty="0" smtClean="0">
-                <a:ln>
-                  <a:noFill/>
-                </a:ln>
-                <a:solidFill>
-                  <a:schemeClr val="tx1"/>
-                </a:solidFill>
-                <a:effectLst/>
-                <a:latin typeface="Admiral" pitchFamily="2" charset="0"/>
-                <a:cs typeface="Times New Roman" panose="02020603050405020304" pitchFamily="18" charset="0"/>
-              </a:rPr>
-              <a:t> </a:t>
-            </a:r>
-            <a:r>
-              <a:rPr kumimoji="0" lang="en-GB" sz="8000" b="1" i="0" u="none" strike="noStrike" cap="none" normalizeH="0" baseline="0" dirty="0" err="1" smtClean="0">
+              <a:rPr kumimoji="0" lang="en-GB" sz="7200" b="1" i="0" u="none" strike="noStrike" cap="none" normalizeH="0" baseline="0" dirty="0" smtClean="0">
+                <a:ln>
+                  <a:noFill/>
+                </a:ln>
+                <a:solidFill>
+                  <a:schemeClr val="tx1"/>
+                </a:solidFill>
+                <a:effectLst/>
+                <a:latin typeface="Admiral" pitchFamily="2" charset="0"/>
+                <a:cs typeface="Times New Roman" panose="02020603050405020304" pitchFamily="18" charset="0"/>
+              </a:rPr>
+              <a:t> </a:t>
+            </a:r>
+            <a:r>
+              <a:rPr kumimoji="0" lang="en-GB" sz="7200" b="1" i="0" u="none" strike="noStrike" cap="none" normalizeH="0" baseline="0" dirty="0" err="1" smtClean="0">
                 <a:ln>
                   <a:noFill/>
                 </a:ln>
@@ -4532,21 +4531,21 @@
               <a:t>ilay</a:t>
             </a:r>
             <a:r>
-              <a:rPr kumimoji="0" lang="en-GB" sz="8000" b="1" i="0" u="none" strike="noStrike" cap="none" normalizeH="0" baseline="0" dirty="0" smtClean="0">
-                <a:ln>
-                  <a:noFill/>
-                </a:ln>
-                <a:solidFill>
-                  <a:schemeClr val="tx1"/>
-                </a:solidFill>
-                <a:effectLst/>
-                <a:latin typeface="Admiral" pitchFamily="2" charset="0"/>
-                <a:cs typeface="Times New Roman" panose="02020603050405020304" pitchFamily="18" charset="0"/>
-              </a:rPr>
-              <a:t> </a:t>
-            </a:r>
-            <a:r>
-              <a:rPr kumimoji="0" lang="en-GB" sz="8000" b="1" i="0" u="none" strike="noStrike" cap="none" normalizeH="0" baseline="0" dirty="0" err="1" smtClean="0">
+              <a:rPr kumimoji="0" lang="en-GB" sz="7200" b="1" i="0" u="none" strike="noStrike" cap="none" normalizeH="0" baseline="0" dirty="0" smtClean="0">
+                <a:ln>
+                  <a:noFill/>
+                </a:ln>
+                <a:solidFill>
+                  <a:schemeClr val="tx1"/>
+                </a:solidFill>
+                <a:effectLst/>
+                <a:latin typeface="Admiral" pitchFamily="2" charset="0"/>
+                <a:cs typeface="Times New Roman" panose="02020603050405020304" pitchFamily="18" charset="0"/>
+              </a:rPr>
+              <a:t> </a:t>
+            </a:r>
+            <a:r>
+              <a:rPr kumimoji="0" lang="en-GB" sz="7200" b="1" i="0" u="none" strike="noStrike" cap="none" normalizeH="0" baseline="0" dirty="0" err="1" smtClean="0">
                 <a:ln>
                   <a:noFill/>
                 </a:ln>
@@ -4560,21 +4559,21 @@
               <a:t>Gehenanay</a:t>
             </a:r>
             <a:r>
-              <a:rPr kumimoji="0" lang="en-GB" sz="8000" b="1" i="0" u="none" strike="noStrike" cap="none" normalizeH="0" baseline="0" dirty="0" smtClean="0">
-                <a:ln>
-                  <a:noFill/>
-                </a:ln>
-                <a:solidFill>
-                  <a:schemeClr val="tx1"/>
-                </a:solidFill>
-                <a:effectLst/>
-                <a:latin typeface="Admiral" pitchFamily="2" charset="0"/>
-                <a:cs typeface="Times New Roman" panose="02020603050405020304" pitchFamily="18" charset="0"/>
-              </a:rPr>
-              <a:t> </a:t>
-            </a:r>
-            <a:r>
-              <a:rPr kumimoji="0" lang="en-GB" sz="8000" b="1" i="0" u="none" strike="noStrike" cap="none" normalizeH="0" baseline="0" dirty="0" err="1" smtClean="0">
+              <a:rPr kumimoji="0" lang="en-GB" sz="7200" b="1" i="0" u="none" strike="noStrike" cap="none" normalizeH="0" baseline="0" dirty="0" smtClean="0">
+                <a:ln>
+                  <a:noFill/>
+                </a:ln>
+                <a:solidFill>
+                  <a:schemeClr val="tx1"/>
+                </a:solidFill>
+                <a:effectLst/>
+                <a:latin typeface="Admiral" pitchFamily="2" charset="0"/>
+                <a:cs typeface="Times New Roman" panose="02020603050405020304" pitchFamily="18" charset="0"/>
+              </a:rPr>
+              <a:t> </a:t>
+            </a:r>
+            <a:r>
+              <a:rPr kumimoji="0" lang="en-GB" sz="7200" b="1" i="0" u="none" strike="noStrike" cap="none" normalizeH="0" baseline="0" dirty="0" err="1" smtClean="0">
                 <a:ln>
                   <a:noFill/>
                 </a:ln>
@@ -4587,7 +4586,7 @@
               </a:rPr>
               <a:t>fahiny</a:t>
             </a:r>
-            <a:endParaRPr kumimoji="0" lang="fr-FR" sz="13800" b="1" i="0" u="none" strike="noStrike" cap="none" normalizeH="0" baseline="0" dirty="0" smtClean="0">
+            <a:endParaRPr kumimoji="0" lang="fr-FR" sz="11500" b="1" i="0" u="none" strike="noStrike" cap="none" normalizeH="0" baseline="0" dirty="0" smtClean="0">
               <a:ln>
                 <a:noFill/>
               </a:ln>
@@ -4616,7 +4615,7 @@
               <a:tabLst/>
             </a:pPr>
             <a:r>
-              <a:rPr kumimoji="0" lang="en-GB" sz="8000" b="1" i="0" u="none" strike="noStrike" cap="none" normalizeH="0" baseline="0" dirty="0" smtClean="0">
+              <a:rPr kumimoji="0" lang="en-GB" sz="7200" b="1" i="0" u="none" strike="noStrike" cap="none" normalizeH="0" baseline="0" dirty="0" smtClean="0">
                 <a:ln>
                   <a:noFill/>
                 </a:ln>
@@ -4630,7 +4629,7 @@
               <a:t>   </a:t>
             </a:r>
             <a:r>
-              <a:rPr kumimoji="0" lang="en-GB" sz="8000" b="1" i="0" u="none" strike="noStrike" cap="none" normalizeH="0" baseline="0" dirty="0" err="1" smtClean="0">
+              <a:rPr kumimoji="0" lang="en-GB" sz="7200" b="1" i="0" u="none" strike="noStrike" cap="none" normalizeH="0" baseline="0" dirty="0" err="1" smtClean="0">
                 <a:ln>
                   <a:noFill/>
                 </a:ln>
@@ -4644,21 +4643,21 @@
               <a:t>Voasolo</a:t>
             </a:r>
             <a:r>
-              <a:rPr kumimoji="0" lang="en-GB" sz="8000" b="1" i="0" u="none" strike="noStrike" cap="none" normalizeH="0" baseline="0" dirty="0" smtClean="0">
-                <a:ln>
-                  <a:noFill/>
-                </a:ln>
-                <a:solidFill>
-                  <a:schemeClr val="tx1"/>
-                </a:solidFill>
-                <a:effectLst/>
-                <a:latin typeface="Admiral" pitchFamily="2" charset="0"/>
-                <a:cs typeface="Times New Roman" panose="02020603050405020304" pitchFamily="18" charset="0"/>
-              </a:rPr>
-              <a:t> </a:t>
-            </a:r>
-            <a:r>
-              <a:rPr kumimoji="0" lang="en-GB" sz="8000" b="1" i="0" u="none" strike="noStrike" cap="none" normalizeH="0" baseline="0" dirty="0" err="1" smtClean="0">
+              <a:rPr kumimoji="0" lang="en-GB" sz="7200" b="1" i="0" u="none" strike="noStrike" cap="none" normalizeH="0" baseline="0" dirty="0" smtClean="0">
+                <a:ln>
+                  <a:noFill/>
+                </a:ln>
+                <a:solidFill>
+                  <a:schemeClr val="tx1"/>
+                </a:solidFill>
+                <a:effectLst/>
+                <a:latin typeface="Admiral" pitchFamily="2" charset="0"/>
+                <a:cs typeface="Times New Roman" panose="02020603050405020304" pitchFamily="18" charset="0"/>
+              </a:rPr>
+              <a:t> </a:t>
+            </a:r>
+            <a:r>
+              <a:rPr kumimoji="0" lang="en-GB" sz="7200" b="1" i="0" u="none" strike="noStrike" cap="none" normalizeH="0" baseline="0" dirty="0" err="1" smtClean="0">
                 <a:ln>
                   <a:noFill/>
                 </a:ln>
@@ -4672,21 +4671,21 @@
               <a:t>paradisa</a:t>
             </a:r>
             <a:r>
-              <a:rPr kumimoji="0" lang="en-GB" sz="8000" b="1" i="0" u="none" strike="noStrike" cap="none" normalizeH="0" baseline="0" dirty="0" smtClean="0">
-                <a:ln>
-                  <a:noFill/>
-                </a:ln>
-                <a:solidFill>
-                  <a:schemeClr val="tx1"/>
-                </a:solidFill>
-                <a:effectLst/>
-                <a:latin typeface="Admiral" pitchFamily="2" charset="0"/>
-                <a:cs typeface="Times New Roman" panose="02020603050405020304" pitchFamily="18" charset="0"/>
-              </a:rPr>
-              <a:t> </a:t>
-            </a:r>
-            <a:r>
-              <a:rPr kumimoji="0" lang="en-GB" sz="8000" b="1" i="0" u="none" strike="noStrike" cap="none" normalizeH="0" baseline="0" dirty="0" err="1" smtClean="0">
+              <a:rPr kumimoji="0" lang="en-GB" sz="7200" b="1" i="0" u="none" strike="noStrike" cap="none" normalizeH="0" baseline="0" dirty="0" smtClean="0">
+                <a:ln>
+                  <a:noFill/>
+                </a:ln>
+                <a:solidFill>
+                  <a:schemeClr val="tx1"/>
+                </a:solidFill>
+                <a:effectLst/>
+                <a:latin typeface="Admiral" pitchFamily="2" charset="0"/>
+                <a:cs typeface="Times New Roman" panose="02020603050405020304" pitchFamily="18" charset="0"/>
+              </a:rPr>
+              <a:t> </a:t>
+            </a:r>
+            <a:r>
+              <a:rPr kumimoji="0" lang="en-GB" sz="7200" b="1" i="0" u="none" strike="noStrike" cap="none" normalizeH="0" baseline="0" dirty="0" err="1" smtClean="0">
                 <a:ln>
                   <a:noFill/>
                 </a:ln>
@@ -4700,7 +4699,7 @@
               <a:t>indray</a:t>
             </a:r>
             <a:r>
-              <a:rPr kumimoji="0" lang="en-GB" sz="8000" b="1" i="0" u="none" strike="noStrike" cap="none" normalizeH="0" baseline="0" dirty="0" smtClean="0">
+              <a:rPr kumimoji="0" lang="en-GB" sz="7200" b="1" i="0" u="none" strike="noStrike" cap="none" normalizeH="0" baseline="0" dirty="0" smtClean="0">
                 <a:ln>
                   <a:noFill/>
                 </a:ln>
@@ -4713,7 +4712,7 @@
               </a:rPr>
               <a:t>   </a:t>
             </a:r>
-            <a:endParaRPr kumimoji="0" lang="en-GB" sz="16600" b="1" i="0" u="none" strike="noStrike" cap="none" normalizeH="0" baseline="0" dirty="0" smtClean="0">
+            <a:endParaRPr kumimoji="0" lang="en-GB" sz="13800" b="1" i="0" u="none" strike="noStrike" cap="none" normalizeH="0" baseline="0" dirty="0" smtClean="0">
               <a:ln>
                 <a:noFill/>
               </a:ln>
@@ -4766,8 +4765,8 @@
         </p:nvSpPr>
         <p:spPr bwMode="auto">
           <a:xfrm>
-            <a:off x="0" y="658596"/>
-            <a:ext cx="12192000" cy="5632311"/>
+            <a:off x="0" y="255284"/>
+            <a:ext cx="12192000" cy="6247864"/>
           </a:xfrm>
           <a:prstGeom prst="rect">
             <a:avLst/>
@@ -4832,7 +4831,7 @@
               <a:tabLst/>
             </a:pPr>
             <a:r>
-              <a:rPr kumimoji="0" lang="en-GB" sz="8800" b="0" i="0" u="none" strike="noStrike" cap="none" normalizeH="0" baseline="0" dirty="0" smtClean="0">
+              <a:rPr kumimoji="0" lang="en-GB" sz="8000" b="0" i="0" u="none" strike="noStrike" cap="none" normalizeH="0" baseline="0" dirty="0" smtClean="0">
                 <a:ln>
                   <a:noFill/>
                 </a:ln>
@@ -4846,7 +4845,7 @@
               <a:t>Koa </a:t>
             </a:r>
             <a:r>
-              <a:rPr kumimoji="0" lang="en-GB" sz="8800" b="0" i="0" u="none" strike="noStrike" cap="none" normalizeH="0" baseline="0" dirty="0" err="1" smtClean="0">
+              <a:rPr kumimoji="0" lang="en-GB" sz="8000" b="0" i="0" u="none" strike="noStrike" cap="none" normalizeH="0" baseline="0" dirty="0" err="1" smtClean="0">
                 <a:ln>
                   <a:noFill/>
                 </a:ln>
@@ -4860,21 +4859,21 @@
               <a:t>isaoranay</a:t>
             </a:r>
             <a:r>
-              <a:rPr kumimoji="0" lang="en-GB" sz="8800" b="0" i="0" u="none" strike="noStrike" cap="none" normalizeH="0" baseline="0" dirty="0" smtClean="0">
-                <a:ln>
-                  <a:noFill/>
-                </a:ln>
-                <a:solidFill>
-                  <a:schemeClr val="tx1"/>
-                </a:solidFill>
-                <a:effectLst/>
-                <a:latin typeface="Admiral" pitchFamily="2" charset="0"/>
-                <a:cs typeface="Times New Roman" panose="02020603050405020304" pitchFamily="18" charset="0"/>
-              </a:rPr>
-              <a:t> </a:t>
-            </a:r>
-            <a:r>
-              <a:rPr kumimoji="0" lang="en-GB" sz="8800" b="0" i="0" u="none" strike="noStrike" cap="none" normalizeH="0" baseline="0" dirty="0" err="1" smtClean="0">
+              <a:rPr kumimoji="0" lang="en-GB" sz="8000" b="0" i="0" u="none" strike="noStrike" cap="none" normalizeH="0" baseline="0" dirty="0" smtClean="0">
+                <a:ln>
+                  <a:noFill/>
+                </a:ln>
+                <a:solidFill>
+                  <a:schemeClr val="tx1"/>
+                </a:solidFill>
+                <a:effectLst/>
+                <a:latin typeface="Admiral" pitchFamily="2" charset="0"/>
+                <a:cs typeface="Times New Roman" panose="02020603050405020304" pitchFamily="18" charset="0"/>
+              </a:rPr>
+              <a:t> </a:t>
+            </a:r>
+            <a:r>
+              <a:rPr kumimoji="0" lang="en-GB" sz="8000" b="0" i="0" u="none" strike="noStrike" cap="none" normalizeH="0" baseline="0" dirty="0" err="1" smtClean="0">
                 <a:ln>
                   <a:noFill/>
                 </a:ln>
@@ -4888,21 +4887,21 @@
               <a:t>tokoa</a:t>
             </a:r>
             <a:r>
-              <a:rPr kumimoji="0" lang="en-GB" sz="8800" b="0" i="0" u="none" strike="noStrike" cap="none" normalizeH="0" baseline="0" dirty="0" smtClean="0">
-                <a:ln>
-                  <a:noFill/>
-                </a:ln>
-                <a:solidFill>
-                  <a:schemeClr val="tx1"/>
-                </a:solidFill>
-                <a:effectLst/>
-                <a:latin typeface="Admiral" pitchFamily="2" charset="0"/>
-                <a:cs typeface="Times New Roman" panose="02020603050405020304" pitchFamily="18" charset="0"/>
-              </a:rPr>
-              <a:t> </a:t>
-            </a:r>
-            <a:r>
-              <a:rPr kumimoji="0" lang="en-GB" sz="8800" b="0" i="0" u="none" strike="noStrike" cap="none" normalizeH="0" baseline="0" dirty="0" err="1" smtClean="0">
+              <a:rPr kumimoji="0" lang="en-GB" sz="8000" b="0" i="0" u="none" strike="noStrike" cap="none" normalizeH="0" baseline="0" dirty="0" smtClean="0">
+                <a:ln>
+                  <a:noFill/>
+                </a:ln>
+                <a:solidFill>
+                  <a:schemeClr val="tx1"/>
+                </a:solidFill>
+                <a:effectLst/>
+                <a:latin typeface="Admiral" pitchFamily="2" charset="0"/>
+                <a:cs typeface="Times New Roman" panose="02020603050405020304" pitchFamily="18" charset="0"/>
+              </a:rPr>
+              <a:t> </a:t>
+            </a:r>
+            <a:r>
+              <a:rPr kumimoji="0" lang="en-GB" sz="8000" b="0" i="0" u="none" strike="noStrike" cap="none" normalizeH="0" baseline="0" dirty="0" err="1" smtClean="0">
                 <a:ln>
                   <a:noFill/>
                 </a:ln>
@@ -4915,7 +4914,7 @@
               </a:rPr>
               <a:t>tokoa</a:t>
             </a:r>
-            <a:endParaRPr kumimoji="0" lang="fr-FR" sz="16600" b="0" i="0" u="none" strike="noStrike" cap="none" normalizeH="0" baseline="0" dirty="0" smtClean="0">
+            <a:endParaRPr kumimoji="0" lang="fr-FR" sz="13800" b="0" i="0" u="none" strike="noStrike" cap="none" normalizeH="0" baseline="0" dirty="0" smtClean="0">
               <a:ln>
                 <a:noFill/>
               </a:ln>
@@ -4944,7 +4943,7 @@
               <a:tabLst/>
             </a:pPr>
             <a:r>
-              <a:rPr kumimoji="0" lang="en-GB" sz="8800" b="0" i="0" u="none" strike="noStrike" cap="none" normalizeH="0" baseline="0" dirty="0" err="1" smtClean="0">
+              <a:rPr kumimoji="0" lang="en-GB" sz="8000" b="0" i="0" u="none" strike="noStrike" cap="none" normalizeH="0" baseline="0" dirty="0" err="1" smtClean="0">
                 <a:ln>
                   <a:noFill/>
                 </a:ln>
@@ -4958,21 +4957,21 @@
               <a:t>Ianao</a:t>
             </a:r>
             <a:r>
-              <a:rPr kumimoji="0" lang="en-GB" sz="8800" b="0" i="0" u="none" strike="noStrike" cap="none" normalizeH="0" baseline="0" dirty="0" smtClean="0">
-                <a:ln>
-                  <a:noFill/>
-                </a:ln>
-                <a:solidFill>
-                  <a:schemeClr val="tx1"/>
-                </a:solidFill>
-                <a:effectLst/>
-                <a:latin typeface="Admiral" pitchFamily="2" charset="0"/>
-                <a:cs typeface="Times New Roman" panose="02020603050405020304" pitchFamily="18" charset="0"/>
-              </a:rPr>
-              <a:t> </a:t>
-            </a:r>
-            <a:r>
-              <a:rPr kumimoji="0" lang="en-GB" sz="8800" b="0" i="0" u="none" strike="noStrike" cap="none" normalizeH="0" baseline="0" dirty="0" err="1" smtClean="0">
+              <a:rPr kumimoji="0" lang="en-GB" sz="8000" b="0" i="0" u="none" strike="noStrike" cap="none" normalizeH="0" baseline="0" dirty="0" smtClean="0">
+                <a:ln>
+                  <a:noFill/>
+                </a:ln>
+                <a:solidFill>
+                  <a:schemeClr val="tx1"/>
+                </a:solidFill>
+                <a:effectLst/>
+                <a:latin typeface="Admiral" pitchFamily="2" charset="0"/>
+                <a:cs typeface="Times New Roman" panose="02020603050405020304" pitchFamily="18" charset="0"/>
+              </a:rPr>
+              <a:t> </a:t>
+            </a:r>
+            <a:r>
+              <a:rPr kumimoji="0" lang="en-GB" sz="8000" b="0" i="0" u="none" strike="noStrike" cap="none" normalizeH="0" baseline="0" dirty="0" err="1" smtClean="0">
                 <a:ln>
                   <a:noFill/>
                 </a:ln>
@@ -4986,21 +4985,21 @@
               <a:t>ry</a:t>
             </a:r>
             <a:r>
-              <a:rPr kumimoji="0" lang="en-GB" sz="8800" b="0" i="0" u="none" strike="noStrike" cap="none" normalizeH="0" baseline="0" dirty="0" smtClean="0">
-                <a:ln>
-                  <a:noFill/>
-                </a:ln>
-                <a:solidFill>
-                  <a:schemeClr val="tx1"/>
-                </a:solidFill>
-                <a:effectLst/>
-                <a:latin typeface="Admiral" pitchFamily="2" charset="0"/>
-                <a:cs typeface="Times New Roman" panose="02020603050405020304" pitchFamily="18" charset="0"/>
-              </a:rPr>
-              <a:t> </a:t>
-            </a:r>
-            <a:r>
-              <a:rPr kumimoji="0" lang="en-GB" sz="8800" b="0" i="0" u="none" strike="noStrike" cap="none" normalizeH="0" baseline="0" dirty="0" err="1" smtClean="0">
+              <a:rPr kumimoji="0" lang="en-GB" sz="8000" b="0" i="0" u="none" strike="noStrike" cap="none" normalizeH="0" baseline="0" dirty="0" smtClean="0">
+                <a:ln>
+                  <a:noFill/>
+                </a:ln>
+                <a:solidFill>
+                  <a:schemeClr val="tx1"/>
+                </a:solidFill>
+                <a:effectLst/>
+                <a:latin typeface="Admiral" pitchFamily="2" charset="0"/>
+                <a:cs typeface="Times New Roman" panose="02020603050405020304" pitchFamily="18" charset="0"/>
+              </a:rPr>
+              <a:t> </a:t>
+            </a:r>
+            <a:r>
+              <a:rPr kumimoji="0" lang="en-GB" sz="8000" b="0" i="0" u="none" strike="noStrike" cap="none" normalizeH="0" baseline="0" dirty="0" err="1" smtClean="0">
                 <a:ln>
                   <a:noFill/>
                 </a:ln>
@@ -5014,7 +5013,7 @@
               <a:t>Rainay</a:t>
             </a:r>
             <a:r>
-              <a:rPr kumimoji="0" lang="en-GB" sz="8800" b="0" i="0" u="none" strike="noStrike" cap="none" normalizeH="0" baseline="0" dirty="0" smtClean="0">
+              <a:rPr kumimoji="0" lang="en-GB" sz="8000" b="0" i="0" u="none" strike="noStrike" cap="none" normalizeH="0" baseline="0" dirty="0" smtClean="0">
                 <a:ln>
                   <a:noFill/>
                 </a:ln>
@@ -5028,7 +5027,7 @@
               <a:t> be </a:t>
             </a:r>
             <a:r>
-              <a:rPr kumimoji="0" lang="en-GB" sz="8800" b="0" i="0" u="none" strike="noStrike" cap="none" normalizeH="0" baseline="0" dirty="0" err="1" smtClean="0">
+              <a:rPr kumimoji="0" lang="en-GB" sz="8000" b="0" i="0" u="none" strike="noStrike" cap="none" normalizeH="0" baseline="0" dirty="0" err="1" smtClean="0">
                 <a:ln>
                   <a:noFill/>
                 </a:ln>
@@ -5041,7 +5040,7 @@
               </a:rPr>
               <a:t>fitia</a:t>
             </a:r>
-            <a:endParaRPr kumimoji="0" lang="fr-FR" sz="16600" b="0" i="0" u="none" strike="noStrike" cap="none" normalizeH="0" baseline="0" dirty="0" smtClean="0">
+            <a:endParaRPr kumimoji="0" lang="fr-FR" sz="13800" b="0" i="0" u="none" strike="noStrike" cap="none" normalizeH="0" baseline="0" dirty="0" smtClean="0">
               <a:ln>
                 <a:noFill/>
               </a:ln>
@@ -5070,21 +5069,21 @@
               <a:tabLst/>
             </a:pPr>
             <a:r>
-              <a:rPr kumimoji="0" lang="en-GB" sz="8800" b="0" i="0" u="none" strike="noStrike" cap="none" normalizeH="0" baseline="0" dirty="0" smtClean="0">
-                <a:ln>
-                  <a:noFill/>
-                </a:ln>
-                <a:solidFill>
-                  <a:schemeClr val="tx1"/>
-                </a:solidFill>
-                <a:effectLst/>
-                <a:latin typeface="Admiral" pitchFamily="2" charset="0"/>
-                <a:cs typeface="Times New Roman" panose="02020603050405020304" pitchFamily="18" charset="0"/>
-              </a:rPr>
-              <a:t> </a:t>
-            </a:r>
-            <a:r>
-              <a:rPr kumimoji="0" lang="en-GB" sz="8800" b="0" i="0" u="none" strike="noStrike" cap="none" normalizeH="0" baseline="0" dirty="0" err="1" smtClean="0">
+              <a:rPr kumimoji="0" lang="en-GB" sz="8000" b="0" i="0" u="none" strike="noStrike" cap="none" normalizeH="0" baseline="0" dirty="0" smtClean="0">
+                <a:ln>
+                  <a:noFill/>
+                </a:ln>
+                <a:solidFill>
+                  <a:schemeClr val="tx1"/>
+                </a:solidFill>
+                <a:effectLst/>
+                <a:latin typeface="Admiral" pitchFamily="2" charset="0"/>
+                <a:cs typeface="Times New Roman" panose="02020603050405020304" pitchFamily="18" charset="0"/>
+              </a:rPr>
+              <a:t> </a:t>
+            </a:r>
+            <a:r>
+              <a:rPr kumimoji="0" lang="en-GB" sz="8000" b="0" i="0" u="none" strike="noStrike" cap="none" normalizeH="0" baseline="0" dirty="0" err="1" smtClean="0">
                 <a:ln>
                   <a:noFill/>
                 </a:ln>
@@ -5098,21 +5097,21 @@
               <a:t>Dia</a:t>
             </a:r>
             <a:r>
-              <a:rPr kumimoji="0" lang="en-GB" sz="8800" b="0" i="0" u="none" strike="noStrike" cap="none" normalizeH="0" baseline="0" dirty="0" smtClean="0">
-                <a:ln>
-                  <a:noFill/>
-                </a:ln>
-                <a:solidFill>
-                  <a:schemeClr val="tx1"/>
-                </a:solidFill>
-                <a:effectLst/>
-                <a:latin typeface="Admiral" pitchFamily="2" charset="0"/>
-                <a:cs typeface="Times New Roman" panose="02020603050405020304" pitchFamily="18" charset="0"/>
-              </a:rPr>
-              <a:t> </a:t>
-            </a:r>
-            <a:r>
-              <a:rPr kumimoji="0" lang="en-GB" sz="8800" b="0" i="0" u="none" strike="noStrike" cap="none" normalizeH="0" baseline="0" dirty="0" err="1" smtClean="0">
+              <a:rPr kumimoji="0" lang="en-GB" sz="8000" b="0" i="0" u="none" strike="noStrike" cap="none" normalizeH="0" baseline="0" dirty="0" smtClean="0">
+                <a:ln>
+                  <a:noFill/>
+                </a:ln>
+                <a:solidFill>
+                  <a:schemeClr val="tx1"/>
+                </a:solidFill>
+                <a:effectLst/>
+                <a:latin typeface="Admiral" pitchFamily="2" charset="0"/>
+                <a:cs typeface="Times New Roman" panose="02020603050405020304" pitchFamily="18" charset="0"/>
+              </a:rPr>
+              <a:t> </a:t>
+            </a:r>
+            <a:r>
+              <a:rPr kumimoji="0" lang="en-GB" sz="8000" b="0" i="0" u="none" strike="noStrike" cap="none" normalizeH="0" baseline="0" dirty="0" err="1" smtClean="0">
                 <a:ln>
                   <a:noFill/>
                 </a:ln>
@@ -5126,7 +5125,7 @@
               <a:t>Ianao</a:t>
             </a:r>
             <a:r>
-              <a:rPr kumimoji="0" lang="en-GB" sz="8800" b="0" i="0" u="none" strike="noStrike" cap="none" normalizeH="0" baseline="0" dirty="0" smtClean="0">
+              <a:rPr kumimoji="0" lang="en-GB" sz="8000" b="0" i="0" u="none" strike="noStrike" cap="none" normalizeH="0" baseline="0" dirty="0" smtClean="0">
                 <a:ln>
                   <a:noFill/>
                 </a:ln>
@@ -5140,7 +5139,7 @@
               <a:t> Jehovah Ray </a:t>
             </a:r>
             <a:r>
-              <a:rPr kumimoji="0" lang="en-GB" sz="8800" b="0" i="0" u="none" strike="noStrike" cap="none" normalizeH="0" baseline="0" dirty="0" err="1" smtClean="0">
+              <a:rPr kumimoji="0" lang="en-GB" sz="8000" b="0" i="0" u="none" strike="noStrike" cap="none" normalizeH="0" baseline="0" dirty="0" err="1" smtClean="0">
                 <a:ln>
                   <a:noFill/>
                 </a:ln>
@@ -5153,7 +5152,7 @@
               </a:rPr>
               <a:t>Tsitoha</a:t>
             </a:r>
-            <a:endParaRPr kumimoji="0" lang="fr-FR" sz="16600" b="0" i="0" u="none" strike="noStrike" cap="none" normalizeH="0" baseline="0" dirty="0" smtClean="0">
+            <a:endParaRPr kumimoji="0" lang="fr-FR" sz="13800" b="0" i="0" u="none" strike="noStrike" cap="none" normalizeH="0" baseline="0" dirty="0" smtClean="0">
               <a:ln>
                 <a:noFill/>
               </a:ln>
@@ -5182,7 +5181,7 @@
               <a:tabLst/>
             </a:pPr>
             <a:r>
-              <a:rPr kumimoji="0" lang="en-GB" sz="8800" b="0" i="0" u="none" strike="noStrike" cap="none" normalizeH="0" baseline="0" dirty="0" smtClean="0">
+              <a:rPr kumimoji="0" lang="en-GB" sz="8000" b="0" i="0" u="none" strike="noStrike" cap="none" normalizeH="0" baseline="0" dirty="0" smtClean="0">
                 <a:ln>
                   <a:noFill/>
                 </a:ln>
@@ -5196,7 +5195,7 @@
               <a:t>   </a:t>
             </a:r>
             <a:r>
-              <a:rPr kumimoji="0" lang="en-GB" sz="8800" b="0" i="0" u="none" strike="noStrike" cap="none" normalizeH="0" baseline="0" dirty="0" err="1" smtClean="0">
+              <a:rPr kumimoji="0" lang="en-GB" sz="8000" b="0" i="0" u="none" strike="noStrike" cap="none" normalizeH="0" baseline="0" dirty="0" err="1" smtClean="0">
                 <a:ln>
                   <a:noFill/>
                 </a:ln>
@@ -5210,21 +5209,21 @@
               <a:t>Nanome</a:t>
             </a:r>
             <a:r>
-              <a:rPr kumimoji="0" lang="en-GB" sz="8800" b="0" i="0" u="none" strike="noStrike" cap="none" normalizeH="0" baseline="0" dirty="0" smtClean="0">
-                <a:ln>
-                  <a:noFill/>
-                </a:ln>
-                <a:solidFill>
-                  <a:schemeClr val="tx1"/>
-                </a:solidFill>
-                <a:effectLst/>
-                <a:latin typeface="Admiral" pitchFamily="2" charset="0"/>
-                <a:cs typeface="Times New Roman" panose="02020603050405020304" pitchFamily="18" charset="0"/>
-              </a:rPr>
-              <a:t> </a:t>
-            </a:r>
-            <a:r>
-              <a:rPr kumimoji="0" lang="en-GB" sz="8800" b="0" i="0" u="none" strike="noStrike" cap="none" normalizeH="0" baseline="0" dirty="0" err="1" smtClean="0">
+              <a:rPr kumimoji="0" lang="en-GB" sz="8000" b="0" i="0" u="none" strike="noStrike" cap="none" normalizeH="0" baseline="0" dirty="0" smtClean="0">
+                <a:ln>
+                  <a:noFill/>
+                </a:ln>
+                <a:solidFill>
+                  <a:schemeClr val="tx1"/>
+                </a:solidFill>
+                <a:effectLst/>
+                <a:latin typeface="Admiral" pitchFamily="2" charset="0"/>
+                <a:cs typeface="Times New Roman" panose="02020603050405020304" pitchFamily="18" charset="0"/>
+              </a:rPr>
+              <a:t> </a:t>
+            </a:r>
+            <a:r>
+              <a:rPr kumimoji="0" lang="en-GB" sz="8000" b="0" i="0" u="none" strike="noStrike" cap="none" normalizeH="0" baseline="0" dirty="0" err="1" smtClean="0">
                 <a:ln>
                   <a:noFill/>
                 </a:ln>
@@ -5238,21 +5237,21 @@
               <a:t>anay</a:t>
             </a:r>
             <a:r>
-              <a:rPr kumimoji="0" lang="en-GB" sz="8800" b="0" i="0" u="none" strike="noStrike" cap="none" normalizeH="0" baseline="0" dirty="0" smtClean="0">
-                <a:ln>
-                  <a:noFill/>
-                </a:ln>
-                <a:solidFill>
-                  <a:schemeClr val="tx1"/>
-                </a:solidFill>
-                <a:effectLst/>
-                <a:latin typeface="Admiral" pitchFamily="2" charset="0"/>
-                <a:cs typeface="Times New Roman" panose="02020603050405020304" pitchFamily="18" charset="0"/>
-              </a:rPr>
-              <a:t> </a:t>
-            </a:r>
-            <a:r>
-              <a:rPr kumimoji="0" lang="en-GB" sz="8800" b="0" i="0" u="none" strike="noStrike" cap="none" normalizeH="0" baseline="0" dirty="0" err="1" smtClean="0">
+              <a:rPr kumimoji="0" lang="en-GB" sz="8000" b="0" i="0" u="none" strike="noStrike" cap="none" normalizeH="0" baseline="0" dirty="0" smtClean="0">
+                <a:ln>
+                  <a:noFill/>
+                </a:ln>
+                <a:solidFill>
+                  <a:schemeClr val="tx1"/>
+                </a:solidFill>
+                <a:effectLst/>
+                <a:latin typeface="Admiral" pitchFamily="2" charset="0"/>
+                <a:cs typeface="Times New Roman" panose="02020603050405020304" pitchFamily="18" charset="0"/>
+              </a:rPr>
+              <a:t> </a:t>
+            </a:r>
+            <a:r>
+              <a:rPr kumimoji="0" lang="en-GB" sz="8000" b="0" i="0" u="none" strike="noStrike" cap="none" normalizeH="0" baseline="0" dirty="0" err="1" smtClean="0">
                 <a:ln>
                   <a:noFill/>
                 </a:ln>
@@ -5266,21 +5265,21 @@
               <a:t>Ilay</a:t>
             </a:r>
             <a:r>
-              <a:rPr kumimoji="0" lang="en-GB" sz="8800" b="0" i="0" u="none" strike="noStrike" cap="none" normalizeH="0" baseline="0" dirty="0" smtClean="0">
-                <a:ln>
-                  <a:noFill/>
-                </a:ln>
-                <a:solidFill>
-                  <a:schemeClr val="tx1"/>
-                </a:solidFill>
-                <a:effectLst/>
-                <a:latin typeface="Admiral" pitchFamily="2" charset="0"/>
-                <a:cs typeface="Times New Roman" panose="02020603050405020304" pitchFamily="18" charset="0"/>
-              </a:rPr>
-              <a:t> </a:t>
-            </a:r>
-            <a:r>
-              <a:rPr kumimoji="0" lang="en-GB" sz="8800" b="0" i="0" u="none" strike="noStrike" cap="none" normalizeH="0" baseline="0" dirty="0" err="1" smtClean="0">
+              <a:rPr kumimoji="0" lang="en-GB" sz="8000" b="0" i="0" u="none" strike="noStrike" cap="none" normalizeH="0" baseline="0" dirty="0" smtClean="0">
+                <a:ln>
+                  <a:noFill/>
+                </a:ln>
+                <a:solidFill>
+                  <a:schemeClr val="tx1"/>
+                </a:solidFill>
+                <a:effectLst/>
+                <a:latin typeface="Admiral" pitchFamily="2" charset="0"/>
+                <a:cs typeface="Times New Roman" panose="02020603050405020304" pitchFamily="18" charset="0"/>
+              </a:rPr>
+              <a:t> </a:t>
+            </a:r>
+            <a:r>
+              <a:rPr kumimoji="0" lang="en-GB" sz="8000" b="0" i="0" u="none" strike="noStrike" cap="none" normalizeH="0" baseline="0" dirty="0" err="1" smtClean="0">
                 <a:ln>
                   <a:noFill/>
                 </a:ln>
@@ -5294,7 +5293,7 @@
               <a:t>Mesia</a:t>
             </a:r>
             <a:r>
-              <a:rPr kumimoji="0" lang="en-GB" sz="6600" b="0" i="0" u="none" strike="noStrike" cap="none" normalizeH="0" baseline="0" dirty="0" smtClean="0">
+              <a:rPr kumimoji="0" lang="en-GB" sz="6000" b="0" i="0" u="none" strike="noStrike" cap="none" normalizeH="0" baseline="0" dirty="0" smtClean="0">
                 <a:ln>
                   <a:noFill/>
                 </a:ln>
@@ -5307,7 +5306,7 @@
               </a:rPr>
               <a:t>.</a:t>
             </a:r>
-            <a:endParaRPr kumimoji="0" lang="en-GB" sz="19900" b="0" i="0" u="none" strike="noStrike" cap="none" normalizeH="0" baseline="0" dirty="0" smtClean="0">
+            <a:endParaRPr kumimoji="0" lang="en-GB" sz="16600" b="0" i="0" u="none" strike="noStrike" cap="none" normalizeH="0" baseline="0" dirty="0" smtClean="0">
               <a:ln>
                 <a:noFill/>
               </a:ln>
